--- a/TEAM PINCUSHION FLOWER ANNUAL.pptx
+++ b/TEAM PINCUSHION FLOWER ANNUAL.pptx
@@ -109,7 +109,7 @@
   </p:defaultTextStyle>
   <p:extLst>
     <p:ext uri="{EFAFB233-063F-42B5-8137-9DF3F51BA10A}">
-      <p15:sldGuideLst xmlns:p15="http://schemas.microsoft.com/office/powerpoint/2012/main" xmlns=""/>
+      <p15:sldGuideLst xmlns="" xmlns:p15="http://schemas.microsoft.com/office/powerpoint/2012/main"/>
     </p:ext>
   </p:extLst>
 </p:presentation>
@@ -157,7 +157,7 @@
           <a:blip r:embed="rId2">
             <a:extLst>
               <a:ext uri="{28A0092B-C50C-407E-A947-70E740481C1C}">
-                <a14:useLocalDpi xmlns:a14="http://schemas.microsoft.com/office/drawing/2010/main" xmlns="" val="0"/>
+                <a14:useLocalDpi xmlns="" xmlns:a14="http://schemas.microsoft.com/office/drawing/2010/main" val="0"/>
               </a:ext>
             </a:extLst>
           </a:blip>
@@ -415,7 +415,7 @@
     </p:spTree>
     <p:extLst>
       <p:ext uri="{BB962C8B-B14F-4D97-AF65-F5344CB8AC3E}">
-        <p14:creationId xmlns:p14="http://schemas.microsoft.com/office/powerpoint/2010/main" xmlns="" val="3062083995"/>
+        <p14:creationId xmlns="" xmlns:p14="http://schemas.microsoft.com/office/powerpoint/2010/main" val="3062083995"/>
       </p:ext>
     </p:extLst>
   </p:cSld>
@@ -454,7 +454,7 @@
           <a:blip r:embed="rId2">
             <a:extLst>
               <a:ext uri="{28A0092B-C50C-407E-A947-70E740481C1C}">
-                <a14:useLocalDpi xmlns:a14="http://schemas.microsoft.com/office/drawing/2010/main" xmlns="" val="0"/>
+                <a14:useLocalDpi xmlns="" xmlns:a14="http://schemas.microsoft.com/office/drawing/2010/main" val="0"/>
               </a:ext>
             </a:extLst>
           </a:blip>
@@ -741,7 +741,7 @@
     </p:spTree>
     <p:extLst>
       <p:ext uri="{BB962C8B-B14F-4D97-AF65-F5344CB8AC3E}">
-        <p14:creationId xmlns:p14="http://schemas.microsoft.com/office/powerpoint/2010/main" xmlns="" val="770600843"/>
+        <p14:creationId xmlns="" xmlns:p14="http://schemas.microsoft.com/office/powerpoint/2010/main" val="770600843"/>
       </p:ext>
     </p:extLst>
   </p:cSld>
@@ -781,7 +781,7 @@
           <a:blip r:embed="rId2">
             <a:extLst>
               <a:ext uri="{28A0092B-C50C-407E-A947-70E740481C1C}">
-                <a14:useLocalDpi xmlns:a14="http://schemas.microsoft.com/office/drawing/2010/main" xmlns="" val="0"/>
+                <a14:useLocalDpi xmlns="" xmlns:a14="http://schemas.microsoft.com/office/drawing/2010/main" val="0"/>
               </a:ext>
             </a:extLst>
           </a:blip>
@@ -1022,7 +1022,7 @@
     </p:spTree>
     <p:extLst>
       <p:ext uri="{BB962C8B-B14F-4D97-AF65-F5344CB8AC3E}">
-        <p14:creationId xmlns:p14="http://schemas.microsoft.com/office/powerpoint/2010/main" xmlns="" val="3832827796"/>
+        <p14:creationId xmlns="" xmlns:p14="http://schemas.microsoft.com/office/powerpoint/2010/main" val="3832827796"/>
       </p:ext>
     </p:extLst>
   </p:cSld>
@@ -1062,7 +1062,7 @@
           <a:blip r:embed="rId2">
             <a:extLst>
               <a:ext uri="{28A0092B-C50C-407E-A947-70E740481C1C}">
-                <a14:useLocalDpi xmlns:a14="http://schemas.microsoft.com/office/drawing/2010/main" xmlns="" val="0"/>
+                <a14:useLocalDpi xmlns="" xmlns:a14="http://schemas.microsoft.com/office/drawing/2010/main" val="0"/>
               </a:ext>
             </a:extLst>
           </a:blip>
@@ -1593,7 +1593,7 @@
     </p:spTree>
     <p:extLst>
       <p:ext uri="{BB962C8B-B14F-4D97-AF65-F5344CB8AC3E}">
-        <p14:creationId xmlns:p14="http://schemas.microsoft.com/office/powerpoint/2010/main" xmlns="" val="2785925347"/>
+        <p14:creationId xmlns="" xmlns:p14="http://schemas.microsoft.com/office/powerpoint/2010/main" val="2785925347"/>
       </p:ext>
     </p:extLst>
   </p:cSld>
@@ -1633,7 +1633,7 @@
           <a:blip r:embed="rId2">
             <a:extLst>
               <a:ext uri="{28A0092B-C50C-407E-A947-70E740481C1C}">
-                <a14:useLocalDpi xmlns:a14="http://schemas.microsoft.com/office/drawing/2010/main" xmlns="" val="0"/>
+                <a14:useLocalDpi xmlns="" xmlns:a14="http://schemas.microsoft.com/office/drawing/2010/main" val="0"/>
               </a:ext>
             </a:extLst>
           </a:blip>
@@ -1874,7 +1874,7 @@
     </p:spTree>
     <p:extLst>
       <p:ext uri="{BB962C8B-B14F-4D97-AF65-F5344CB8AC3E}">
-        <p14:creationId xmlns:p14="http://schemas.microsoft.com/office/powerpoint/2010/main" xmlns="" val="3687469231"/>
+        <p14:creationId xmlns="" xmlns:p14="http://schemas.microsoft.com/office/powerpoint/2010/main" val="3687469231"/>
       </p:ext>
     </p:extLst>
   </p:cSld>
@@ -1914,7 +1914,7 @@
           <a:blip r:embed="rId2">
             <a:extLst>
               <a:ext uri="{28A0092B-C50C-407E-A947-70E740481C1C}">
-                <a14:useLocalDpi xmlns:a14="http://schemas.microsoft.com/office/drawing/2010/main" xmlns="" val="0"/>
+                <a14:useLocalDpi xmlns="" xmlns:a14="http://schemas.microsoft.com/office/drawing/2010/main" val="0"/>
               </a:ext>
             </a:extLst>
           </a:blip>
@@ -2439,7 +2439,7 @@
     </p:spTree>
     <p:extLst>
       <p:ext uri="{BB962C8B-B14F-4D97-AF65-F5344CB8AC3E}">
-        <p14:creationId xmlns:p14="http://schemas.microsoft.com/office/powerpoint/2010/main" xmlns="" val="3185171706"/>
+        <p14:creationId xmlns="" xmlns:p14="http://schemas.microsoft.com/office/powerpoint/2010/main" val="3185171706"/>
       </p:ext>
     </p:extLst>
   </p:cSld>
@@ -2479,7 +2479,7 @@
           <a:blip r:embed="rId2">
             <a:extLst>
               <a:ext uri="{28A0092B-C50C-407E-A947-70E740481C1C}">
-                <a14:useLocalDpi xmlns:a14="http://schemas.microsoft.com/office/drawing/2010/main" xmlns="" val="0"/>
+                <a14:useLocalDpi xmlns="" xmlns:a14="http://schemas.microsoft.com/office/drawing/2010/main" val="0"/>
               </a:ext>
             </a:extLst>
           </a:blip>
@@ -2769,7 +2769,7 @@
     </p:spTree>
     <p:extLst>
       <p:ext uri="{BB962C8B-B14F-4D97-AF65-F5344CB8AC3E}">
-        <p14:creationId xmlns:p14="http://schemas.microsoft.com/office/powerpoint/2010/main" xmlns="" val="714360239"/>
+        <p14:creationId xmlns="" xmlns:p14="http://schemas.microsoft.com/office/powerpoint/2010/main" val="714360239"/>
       </p:ext>
     </p:extLst>
   </p:cSld>
@@ -2809,7 +2809,7 @@
           <a:blip r:embed="rId2">
             <a:extLst>
               <a:ext uri="{28A0092B-C50C-407E-A947-70E740481C1C}">
-                <a14:useLocalDpi xmlns:a14="http://schemas.microsoft.com/office/drawing/2010/main" xmlns="" val="0"/>
+                <a14:useLocalDpi xmlns="" xmlns:a14="http://schemas.microsoft.com/office/drawing/2010/main" val="0"/>
               </a:ext>
             </a:extLst>
           </a:blip>
@@ -2977,7 +2977,7 @@
     </p:spTree>
     <p:extLst>
       <p:ext uri="{BB962C8B-B14F-4D97-AF65-F5344CB8AC3E}">
-        <p14:creationId xmlns:p14="http://schemas.microsoft.com/office/powerpoint/2010/main" xmlns="" val="2488372515"/>
+        <p14:creationId xmlns="" xmlns:p14="http://schemas.microsoft.com/office/powerpoint/2010/main" val="2488372515"/>
       </p:ext>
     </p:extLst>
   </p:cSld>
@@ -3016,7 +3016,7 @@
           <a:blip r:embed="rId2">
             <a:extLst>
               <a:ext uri="{28A0092B-C50C-407E-A947-70E740481C1C}">
-                <a14:useLocalDpi xmlns:a14="http://schemas.microsoft.com/office/drawing/2010/main" xmlns="" val="0"/>
+                <a14:useLocalDpi xmlns="" xmlns:a14="http://schemas.microsoft.com/office/drawing/2010/main" val="0"/>
               </a:ext>
             </a:extLst>
           </a:blip>
@@ -3189,7 +3189,7 @@
     </p:spTree>
     <p:extLst>
       <p:ext uri="{BB962C8B-B14F-4D97-AF65-F5344CB8AC3E}">
-        <p14:creationId xmlns:p14="http://schemas.microsoft.com/office/powerpoint/2010/main" xmlns="" val="3723182267"/>
+        <p14:creationId xmlns="" xmlns:p14="http://schemas.microsoft.com/office/powerpoint/2010/main" val="3723182267"/>
       </p:ext>
     </p:extLst>
   </p:cSld>
@@ -3228,7 +3228,7 @@
           <a:blip r:embed="rId2">
             <a:extLst>
               <a:ext uri="{28A0092B-C50C-407E-A947-70E740481C1C}">
-                <a14:useLocalDpi xmlns:a14="http://schemas.microsoft.com/office/drawing/2010/main" xmlns="" val="0"/>
+                <a14:useLocalDpi xmlns="" xmlns:a14="http://schemas.microsoft.com/office/drawing/2010/main" val="0"/>
               </a:ext>
             </a:extLst>
           </a:blip>
@@ -3391,7 +3391,7 @@
     </p:spTree>
     <p:extLst>
       <p:ext uri="{BB962C8B-B14F-4D97-AF65-F5344CB8AC3E}">
-        <p14:creationId xmlns:p14="http://schemas.microsoft.com/office/powerpoint/2010/main" xmlns="" val="2709955865"/>
+        <p14:creationId xmlns="" xmlns:p14="http://schemas.microsoft.com/office/powerpoint/2010/main" val="2709955865"/>
       </p:ext>
     </p:extLst>
   </p:cSld>
@@ -3430,7 +3430,7 @@
           <a:blip r:embed="rId2">
             <a:extLst>
               <a:ext uri="{28A0092B-C50C-407E-A947-70E740481C1C}">
-                <a14:useLocalDpi xmlns:a14="http://schemas.microsoft.com/office/drawing/2010/main" xmlns="" val="0"/>
+                <a14:useLocalDpi xmlns="" xmlns:a14="http://schemas.microsoft.com/office/drawing/2010/main" val="0"/>
               </a:ext>
             </a:extLst>
           </a:blip>
@@ -3669,7 +3669,7 @@
     </p:spTree>
     <p:extLst>
       <p:ext uri="{BB962C8B-B14F-4D97-AF65-F5344CB8AC3E}">
-        <p14:creationId xmlns:p14="http://schemas.microsoft.com/office/powerpoint/2010/main" xmlns="" val="3729044329"/>
+        <p14:creationId xmlns="" xmlns:p14="http://schemas.microsoft.com/office/powerpoint/2010/main" val="3729044329"/>
       </p:ext>
     </p:extLst>
   </p:cSld>
@@ -3708,7 +3708,7 @@
           <a:blip r:embed="rId2">
             <a:extLst>
               <a:ext uri="{28A0092B-C50C-407E-A947-70E740481C1C}">
-                <a14:useLocalDpi xmlns:a14="http://schemas.microsoft.com/office/drawing/2010/main" xmlns="" val="0"/>
+                <a14:useLocalDpi xmlns="" xmlns:a14="http://schemas.microsoft.com/office/drawing/2010/main" val="0"/>
               </a:ext>
             </a:extLst>
           </a:blip>
@@ -3937,7 +3937,7 @@
     </p:spTree>
     <p:extLst>
       <p:ext uri="{BB962C8B-B14F-4D97-AF65-F5344CB8AC3E}">
-        <p14:creationId xmlns:p14="http://schemas.microsoft.com/office/powerpoint/2010/main" xmlns="" val="3497885885"/>
+        <p14:creationId xmlns="" xmlns:p14="http://schemas.microsoft.com/office/powerpoint/2010/main" val="3497885885"/>
       </p:ext>
     </p:extLst>
   </p:cSld>
@@ -4313,7 +4313,7 @@
     </p:spTree>
     <p:extLst>
       <p:ext uri="{BB962C8B-B14F-4D97-AF65-F5344CB8AC3E}">
-        <p14:creationId xmlns:p14="http://schemas.microsoft.com/office/powerpoint/2010/main" xmlns="" val="1964301266"/>
+        <p14:creationId xmlns="" xmlns:p14="http://schemas.microsoft.com/office/powerpoint/2010/main" val="1964301266"/>
       </p:ext>
     </p:extLst>
   </p:cSld>
@@ -4352,7 +4352,7 @@
           <a:blip r:embed="rId2">
             <a:extLst>
               <a:ext uri="{28A0092B-C50C-407E-A947-70E740481C1C}">
-                <a14:useLocalDpi xmlns:a14="http://schemas.microsoft.com/office/drawing/2010/main" xmlns="" val="0"/>
+                <a14:useLocalDpi xmlns="" xmlns:a14="http://schemas.microsoft.com/office/drawing/2010/main" val="0"/>
               </a:ext>
             </a:extLst>
           </a:blip>
@@ -4463,7 +4463,7 @@
     </p:spTree>
     <p:extLst>
       <p:ext uri="{BB962C8B-B14F-4D97-AF65-F5344CB8AC3E}">
-        <p14:creationId xmlns:p14="http://schemas.microsoft.com/office/powerpoint/2010/main" xmlns="" val="467812727"/>
+        <p14:creationId xmlns="" xmlns:p14="http://schemas.microsoft.com/office/powerpoint/2010/main" val="467812727"/>
       </p:ext>
     </p:extLst>
   </p:cSld>
@@ -4502,7 +4502,7 @@
           <a:blip r:embed="rId2">
             <a:extLst>
               <a:ext uri="{28A0092B-C50C-407E-A947-70E740481C1C}">
-                <a14:useLocalDpi xmlns:a14="http://schemas.microsoft.com/office/drawing/2010/main" xmlns="" val="0"/>
+                <a14:useLocalDpi xmlns="" xmlns:a14="http://schemas.microsoft.com/office/drawing/2010/main" val="0"/>
               </a:ext>
             </a:extLst>
           </a:blip>
@@ -4590,7 +4590,7 @@
     </p:spTree>
     <p:extLst>
       <p:ext uri="{BB962C8B-B14F-4D97-AF65-F5344CB8AC3E}">
-        <p14:creationId xmlns:p14="http://schemas.microsoft.com/office/powerpoint/2010/main" xmlns="" val="918488690"/>
+        <p14:creationId xmlns="" xmlns:p14="http://schemas.microsoft.com/office/powerpoint/2010/main" val="918488690"/>
       </p:ext>
     </p:extLst>
   </p:cSld>
@@ -4629,7 +4629,7 @@
           <a:blip r:embed="rId2">
             <a:extLst>
               <a:ext uri="{28A0092B-C50C-407E-A947-70E740481C1C}">
-                <a14:useLocalDpi xmlns:a14="http://schemas.microsoft.com/office/drawing/2010/main" xmlns="" val="0"/>
+                <a14:useLocalDpi xmlns="" xmlns:a14="http://schemas.microsoft.com/office/drawing/2010/main" val="0"/>
               </a:ext>
             </a:extLst>
           </a:blip>
@@ -4877,7 +4877,7 @@
     </p:spTree>
     <p:extLst>
       <p:ext uri="{BB962C8B-B14F-4D97-AF65-F5344CB8AC3E}">
-        <p14:creationId xmlns:p14="http://schemas.microsoft.com/office/powerpoint/2010/main" xmlns="" val="95850762"/>
+        <p14:creationId xmlns="" xmlns:p14="http://schemas.microsoft.com/office/powerpoint/2010/main" val="95850762"/>
       </p:ext>
     </p:extLst>
   </p:cSld>
@@ -4916,7 +4916,7 @@
           <a:blip r:embed="rId2">
             <a:extLst>
               <a:ext uri="{28A0092B-C50C-407E-A947-70E740481C1C}">
-                <a14:useLocalDpi xmlns:a14="http://schemas.microsoft.com/office/drawing/2010/main" xmlns="" val="0"/>
+                <a14:useLocalDpi xmlns="" xmlns:a14="http://schemas.microsoft.com/office/drawing/2010/main" val="0"/>
               </a:ext>
             </a:extLst>
           </a:blip>
@@ -5203,7 +5203,7 @@
     </p:spTree>
     <p:extLst>
       <p:ext uri="{BB962C8B-B14F-4D97-AF65-F5344CB8AC3E}">
-        <p14:creationId xmlns:p14="http://schemas.microsoft.com/office/powerpoint/2010/main" xmlns="" val="2237422347"/>
+        <p14:creationId xmlns="" xmlns:p14="http://schemas.microsoft.com/office/powerpoint/2010/main" val="2237422347"/>
       </p:ext>
     </p:extLst>
   </p:cSld>
@@ -5455,7 +5455,7 @@
     </p:spTree>
     <p:extLst>
       <p:ext uri="{BB962C8B-B14F-4D97-AF65-F5344CB8AC3E}">
-        <p14:creationId xmlns:p14="http://schemas.microsoft.com/office/powerpoint/2010/main" xmlns="" val="2080091891"/>
+        <p14:creationId xmlns="" xmlns:p14="http://schemas.microsoft.com/office/powerpoint/2010/main" val="2080091891"/>
       </p:ext>
     </p:extLst>
   </p:cSld>
@@ -5963,25 +5963,7 @@
                   </a:outerShdw>
                 </a:effectLst>
               </a:rPr>
-              <a:t>  team  </a:t>
-            </a:r>
-            <a:r>
-              <a:rPr lang="en-US" b="1" dirty="0" smtClean="0">
-                <a:effectLst>
-                  <a:glow rad="63500">
-                    <a:schemeClr val="accent5">
-                      <a:satMod val="175000"/>
-                      <a:alpha val="40000"/>
-                    </a:schemeClr>
-                  </a:glow>
-                  <a:outerShdw blurRad="50800" dist="38100" dir="2700000" algn="tl" rotWithShape="0">
-                    <a:prstClr val="black">
-                      <a:alpha val="40000"/>
-                    </a:prstClr>
-                  </a:outerShdw>
-                </a:effectLst>
-              </a:rPr>
-              <a:t>Project”</a:t>
+              <a:t>  team  Project”</a:t>
             </a:r>
             <a:endParaRPr lang="en-US" b="1" dirty="0">
               <a:effectLst>
@@ -6038,7 +6020,7 @@
           <a:blip r:embed="rId2">
             <a:extLst>
               <a:ext uri="{28A0092B-C50C-407E-A947-70E740481C1C}">
-                <a14:useLocalDpi xmlns:a14="http://schemas.microsoft.com/office/drawing/2010/main" xmlns="" val="0"/>
+                <a14:useLocalDpi xmlns="" xmlns:a14="http://schemas.microsoft.com/office/drawing/2010/main" val="0"/>
               </a:ext>
             </a:extLst>
           </a:blip>
@@ -6067,10 +6049,48 @@
           </a:effectLst>
         </p:spPr>
       </p:pic>
+      <p:pic>
+        <p:nvPicPr>
+          <p:cNvPr id="1026" name="Picture 2" descr="C:\Users\Alex\Desktop\20120119111615_leucospermumtangored.jpg"/>
+          <p:cNvPicPr>
+            <a:picLocks noChangeAspect="1" noChangeArrowheads="1"/>
+          </p:cNvPicPr>
+          <p:nvPr/>
+        </p:nvPicPr>
+        <p:blipFill>
+          <a:blip r:embed="rId3"/>
+          <a:srcRect/>
+          <a:stretch>
+            <a:fillRect/>
+          </a:stretch>
+        </p:blipFill>
+        <p:spPr bwMode="auto">
+          <a:xfrm>
+            <a:off x="369278" y="316523"/>
+            <a:ext cx="3288322" cy="2722731"/>
+          </a:xfrm>
+          <a:prstGeom prst="roundRect">
+            <a:avLst>
+              <a:gd name="adj" fmla="val 8594"/>
+            </a:avLst>
+          </a:prstGeom>
+          <a:solidFill>
+            <a:srgbClr val="FFFFFF">
+              <a:shade val="85000"/>
+            </a:srgbClr>
+          </a:solidFill>
+          <a:ln>
+            <a:noFill/>
+          </a:ln>
+          <a:effectLst>
+            <a:reflection blurRad="12700" stA="38000" endPos="28000" dist="5000" dir="5400000" sy="-100000" algn="bl" rotWithShape="0"/>
+          </a:effectLst>
+        </p:spPr>
+      </p:pic>
     </p:spTree>
     <p:extLst>
       <p:ext uri="{BB962C8B-B14F-4D97-AF65-F5344CB8AC3E}">
-        <p14:creationId xmlns:p14="http://schemas.microsoft.com/office/powerpoint/2010/main" xmlns="" val="2013523504"/>
+        <p14:creationId xmlns="" xmlns:p14="http://schemas.microsoft.com/office/powerpoint/2010/main" val="2013523504"/>
       </p:ext>
     </p:extLst>
   </p:cSld>
@@ -6078,7 +6098,7 @@
     <a:masterClrMapping/>
   </p:clrMapOvr>
   <mc:AlternateContent xmlns:mc="http://schemas.openxmlformats.org/markup-compatibility/2006">
-    <mc:Choice xmlns:p14="http://schemas.microsoft.com/office/powerpoint/2010/main" xmlns="" Requires="p14">
+    <mc:Choice xmlns="" xmlns:p14="http://schemas.microsoft.com/office/powerpoint/2010/main" Requires="p14">
       <p:transition spd="med" p14:dur="700">
         <p:fade/>
       </p:transition>
@@ -6153,7 +6173,7 @@
           <a:blip r:embed="rId2">
             <a:extLst>
               <a:ext uri="{28A0092B-C50C-407E-A947-70E740481C1C}">
-                <a14:useLocalDpi xmlns:a14="http://schemas.microsoft.com/office/drawing/2010/main" xmlns="" val="0"/>
+                <a14:useLocalDpi xmlns="" xmlns:a14="http://schemas.microsoft.com/office/drawing/2010/main" val="0"/>
               </a:ext>
             </a:extLst>
           </a:blip>
@@ -7122,7 +7142,7 @@
     </p:spTree>
     <p:extLst>
       <p:ext uri="{BB962C8B-B14F-4D97-AF65-F5344CB8AC3E}">
-        <p14:creationId xmlns:p14="http://schemas.microsoft.com/office/powerpoint/2010/main" xmlns="" val="546413603"/>
+        <p14:creationId xmlns="" xmlns:p14="http://schemas.microsoft.com/office/powerpoint/2010/main" val="546413603"/>
       </p:ext>
     </p:extLst>
   </p:cSld>
@@ -7199,7 +7219,7 @@
           <a:blip r:embed="rId2">
             <a:extLst>
               <a:ext uri="{28A0092B-C50C-407E-A947-70E740481C1C}">
-                <a14:useLocalDpi xmlns:a14="http://schemas.microsoft.com/office/drawing/2010/main" xmlns="" val="0"/>
+                <a14:useLocalDpi xmlns="" xmlns:a14="http://schemas.microsoft.com/office/drawing/2010/main" val="0"/>
               </a:ext>
             </a:extLst>
           </a:blip>
@@ -7240,7 +7260,7 @@
           <a:blip r:embed="rId3">
             <a:extLst>
               <a:ext uri="{28A0092B-C50C-407E-A947-70E740481C1C}">
-                <a14:useLocalDpi xmlns:a14="http://schemas.microsoft.com/office/drawing/2010/main" xmlns="" val="0"/>
+                <a14:useLocalDpi xmlns="" xmlns:a14="http://schemas.microsoft.com/office/drawing/2010/main" val="0"/>
               </a:ext>
             </a:extLst>
           </a:blip>
@@ -7280,7 +7300,7 @@
           <a:blip r:embed="rId4">
             <a:extLst>
               <a:ext uri="{28A0092B-C50C-407E-A947-70E740481C1C}">
-                <a14:useLocalDpi xmlns:a14="http://schemas.microsoft.com/office/drawing/2010/main" xmlns="" val="0"/>
+                <a14:useLocalDpi xmlns="" xmlns:a14="http://schemas.microsoft.com/office/drawing/2010/main" val="0"/>
               </a:ext>
             </a:extLst>
           </a:blip>
@@ -7300,7 +7320,7 @@
           <a:noFill/>
           <a:extLst>
             <a:ext uri="{909E8E84-426E-40DD-AFC4-6F175D3DCCD1}">
-              <a14:hiddenFill xmlns:a14="http://schemas.microsoft.com/office/drawing/2010/main" xmlns="">
+              <a14:hiddenFill xmlns="" xmlns:a14="http://schemas.microsoft.com/office/drawing/2010/main">
                 <a:solidFill>
                   <a:srgbClr val="FFFFFF"/>
                 </a:solidFill>
@@ -7312,7 +7332,7 @@
     </p:spTree>
     <p:extLst>
       <p:ext uri="{BB962C8B-B14F-4D97-AF65-F5344CB8AC3E}">
-        <p14:creationId xmlns:p14="http://schemas.microsoft.com/office/powerpoint/2010/main" xmlns="" val="2851232797"/>
+        <p14:creationId xmlns="" xmlns:p14="http://schemas.microsoft.com/office/powerpoint/2010/main" val="2851232797"/>
       </p:ext>
     </p:extLst>
   </p:cSld>
@@ -7361,7 +7381,7 @@
           <a:blip r:embed="rId2">
             <a:extLst>
               <a:ext uri="{28A0092B-C50C-407E-A947-70E740481C1C}">
-                <a14:useLocalDpi xmlns:a14="http://schemas.microsoft.com/office/drawing/2010/main" xmlns="" val="0"/>
+                <a14:useLocalDpi xmlns="" xmlns:a14="http://schemas.microsoft.com/office/drawing/2010/main" val="0"/>
               </a:ext>
             </a:extLst>
           </a:blip>
@@ -7402,7 +7422,7 @@
           <a:blip r:embed="rId3">
             <a:extLst>
               <a:ext uri="{28A0092B-C50C-407E-A947-70E740481C1C}">
-                <a14:useLocalDpi xmlns:a14="http://schemas.microsoft.com/office/drawing/2010/main" xmlns="" val="0"/>
+                <a14:useLocalDpi xmlns="" xmlns:a14="http://schemas.microsoft.com/office/drawing/2010/main" val="0"/>
               </a:ext>
             </a:extLst>
           </a:blip>
@@ -7433,7 +7453,7 @@
     </p:spTree>
     <p:extLst>
       <p:ext uri="{BB962C8B-B14F-4D97-AF65-F5344CB8AC3E}">
-        <p14:creationId xmlns:p14="http://schemas.microsoft.com/office/powerpoint/2010/main" xmlns="" val="2157254654"/>
+        <p14:creationId xmlns="" xmlns:p14="http://schemas.microsoft.com/office/powerpoint/2010/main" val="2157254654"/>
       </p:ext>
     </p:extLst>
   </p:cSld>
@@ -7441,7 +7461,7 @@
     <a:masterClrMapping/>
   </p:clrMapOvr>
   <mc:AlternateContent xmlns:mc="http://schemas.openxmlformats.org/markup-compatibility/2006">
-    <mc:Choice xmlns:p15="http://schemas.microsoft.com/office/powerpoint/2012/main" xmlns="" Requires="p15">
+    <mc:Choice xmlns="" xmlns:p15="http://schemas.microsoft.com/office/powerpoint/2012/main" Requires="p15">
       <p:transition xmlns:p14="http://schemas.microsoft.com/office/powerpoint/2010/main" spd="slow" p14:dur="1250">
         <p15:prstTrans prst="peelOff"/>
       </p:transition>
@@ -7705,7 +7725,7 @@
   <a:extraClrSchemeLst/>
   <a:extLst>
     <a:ext uri="{05A4C25C-085E-4340-85A3-A5531E510DB2}">
-      <thm15:themeFamily xmlns:thm15="http://schemas.microsoft.com/office/thememl/2012/main" xmlns="" name="Celestial" id="{C4BB2A3D-0E93-4C5F-B0D2-9D3FCE089CC5}" vid="{61DDDE80-2DFA-4F2A-B66F-72059846BDAA}"/>
+      <thm15:themeFamily xmlns="" xmlns:thm15="http://schemas.microsoft.com/office/thememl/2012/main" name="Celestial" id="{C4BB2A3D-0E93-4C5F-B0D2-9D3FCE089CC5}" vid="{61DDDE80-2DFA-4F2A-B66F-72059846BDAA}"/>
     </a:ext>
   </a:extLst>
 </a:theme>

--- a/TEAM PINCUSHION FLOWER ANNUAL.pptx
+++ b/TEAM PINCUSHION FLOWER ANNUAL.pptx
@@ -109,7 +109,7 @@
   </p:defaultTextStyle>
   <p:extLst>
     <p:ext uri="{EFAFB233-063F-42B5-8137-9DF3F51BA10A}">
-      <p15:sldGuideLst xmlns="" xmlns:p15="http://schemas.microsoft.com/office/powerpoint/2012/main"/>
+      <p15:sldGuideLst xmlns:p15="http://schemas.microsoft.com/office/powerpoint/2012/main" xmlns=""/>
     </p:ext>
   </p:extLst>
 </p:presentation>
@@ -157,7 +157,7 @@
           <a:blip r:embed="rId2">
             <a:extLst>
               <a:ext uri="{28A0092B-C50C-407E-A947-70E740481C1C}">
-                <a14:useLocalDpi xmlns="" xmlns:a14="http://schemas.microsoft.com/office/drawing/2010/main" val="0"/>
+                <a14:useLocalDpi xmlns:a14="http://schemas.microsoft.com/office/drawing/2010/main" xmlns="" val="0"/>
               </a:ext>
             </a:extLst>
           </a:blip>
@@ -415,7 +415,7 @@
     </p:spTree>
     <p:extLst>
       <p:ext uri="{BB962C8B-B14F-4D97-AF65-F5344CB8AC3E}">
-        <p14:creationId xmlns="" xmlns:p14="http://schemas.microsoft.com/office/powerpoint/2010/main" val="3062083995"/>
+        <p14:creationId xmlns:p14="http://schemas.microsoft.com/office/powerpoint/2010/main" xmlns="" val="3062083995"/>
       </p:ext>
     </p:extLst>
   </p:cSld>
@@ -454,7 +454,7 @@
           <a:blip r:embed="rId2">
             <a:extLst>
               <a:ext uri="{28A0092B-C50C-407E-A947-70E740481C1C}">
-                <a14:useLocalDpi xmlns="" xmlns:a14="http://schemas.microsoft.com/office/drawing/2010/main" val="0"/>
+                <a14:useLocalDpi xmlns:a14="http://schemas.microsoft.com/office/drawing/2010/main" xmlns="" val="0"/>
               </a:ext>
             </a:extLst>
           </a:blip>
@@ -741,7 +741,7 @@
     </p:spTree>
     <p:extLst>
       <p:ext uri="{BB962C8B-B14F-4D97-AF65-F5344CB8AC3E}">
-        <p14:creationId xmlns="" xmlns:p14="http://schemas.microsoft.com/office/powerpoint/2010/main" val="770600843"/>
+        <p14:creationId xmlns:p14="http://schemas.microsoft.com/office/powerpoint/2010/main" xmlns="" val="770600843"/>
       </p:ext>
     </p:extLst>
   </p:cSld>
@@ -781,7 +781,7 @@
           <a:blip r:embed="rId2">
             <a:extLst>
               <a:ext uri="{28A0092B-C50C-407E-A947-70E740481C1C}">
-                <a14:useLocalDpi xmlns="" xmlns:a14="http://schemas.microsoft.com/office/drawing/2010/main" val="0"/>
+                <a14:useLocalDpi xmlns:a14="http://schemas.microsoft.com/office/drawing/2010/main" xmlns="" val="0"/>
               </a:ext>
             </a:extLst>
           </a:blip>
@@ -1022,7 +1022,7 @@
     </p:spTree>
     <p:extLst>
       <p:ext uri="{BB962C8B-B14F-4D97-AF65-F5344CB8AC3E}">
-        <p14:creationId xmlns="" xmlns:p14="http://schemas.microsoft.com/office/powerpoint/2010/main" val="3832827796"/>
+        <p14:creationId xmlns:p14="http://schemas.microsoft.com/office/powerpoint/2010/main" xmlns="" val="3832827796"/>
       </p:ext>
     </p:extLst>
   </p:cSld>
@@ -1062,7 +1062,7 @@
           <a:blip r:embed="rId2">
             <a:extLst>
               <a:ext uri="{28A0092B-C50C-407E-A947-70E740481C1C}">
-                <a14:useLocalDpi xmlns="" xmlns:a14="http://schemas.microsoft.com/office/drawing/2010/main" val="0"/>
+                <a14:useLocalDpi xmlns:a14="http://schemas.microsoft.com/office/drawing/2010/main" xmlns="" val="0"/>
               </a:ext>
             </a:extLst>
           </a:blip>
@@ -1593,7 +1593,7 @@
     </p:spTree>
     <p:extLst>
       <p:ext uri="{BB962C8B-B14F-4D97-AF65-F5344CB8AC3E}">
-        <p14:creationId xmlns="" xmlns:p14="http://schemas.microsoft.com/office/powerpoint/2010/main" val="2785925347"/>
+        <p14:creationId xmlns:p14="http://schemas.microsoft.com/office/powerpoint/2010/main" xmlns="" val="2785925347"/>
       </p:ext>
     </p:extLst>
   </p:cSld>
@@ -1633,7 +1633,7 @@
           <a:blip r:embed="rId2">
             <a:extLst>
               <a:ext uri="{28A0092B-C50C-407E-A947-70E740481C1C}">
-                <a14:useLocalDpi xmlns="" xmlns:a14="http://schemas.microsoft.com/office/drawing/2010/main" val="0"/>
+                <a14:useLocalDpi xmlns:a14="http://schemas.microsoft.com/office/drawing/2010/main" xmlns="" val="0"/>
               </a:ext>
             </a:extLst>
           </a:blip>
@@ -1874,7 +1874,7 @@
     </p:spTree>
     <p:extLst>
       <p:ext uri="{BB962C8B-B14F-4D97-AF65-F5344CB8AC3E}">
-        <p14:creationId xmlns="" xmlns:p14="http://schemas.microsoft.com/office/powerpoint/2010/main" val="3687469231"/>
+        <p14:creationId xmlns:p14="http://schemas.microsoft.com/office/powerpoint/2010/main" xmlns="" val="3687469231"/>
       </p:ext>
     </p:extLst>
   </p:cSld>
@@ -1914,7 +1914,7 @@
           <a:blip r:embed="rId2">
             <a:extLst>
               <a:ext uri="{28A0092B-C50C-407E-A947-70E740481C1C}">
-                <a14:useLocalDpi xmlns="" xmlns:a14="http://schemas.microsoft.com/office/drawing/2010/main" val="0"/>
+                <a14:useLocalDpi xmlns:a14="http://schemas.microsoft.com/office/drawing/2010/main" xmlns="" val="0"/>
               </a:ext>
             </a:extLst>
           </a:blip>
@@ -2439,7 +2439,7 @@
     </p:spTree>
     <p:extLst>
       <p:ext uri="{BB962C8B-B14F-4D97-AF65-F5344CB8AC3E}">
-        <p14:creationId xmlns="" xmlns:p14="http://schemas.microsoft.com/office/powerpoint/2010/main" val="3185171706"/>
+        <p14:creationId xmlns:p14="http://schemas.microsoft.com/office/powerpoint/2010/main" xmlns="" val="3185171706"/>
       </p:ext>
     </p:extLst>
   </p:cSld>
@@ -2479,7 +2479,7 @@
           <a:blip r:embed="rId2">
             <a:extLst>
               <a:ext uri="{28A0092B-C50C-407E-A947-70E740481C1C}">
-                <a14:useLocalDpi xmlns="" xmlns:a14="http://schemas.microsoft.com/office/drawing/2010/main" val="0"/>
+                <a14:useLocalDpi xmlns:a14="http://schemas.microsoft.com/office/drawing/2010/main" xmlns="" val="0"/>
               </a:ext>
             </a:extLst>
           </a:blip>
@@ -2769,7 +2769,7 @@
     </p:spTree>
     <p:extLst>
       <p:ext uri="{BB962C8B-B14F-4D97-AF65-F5344CB8AC3E}">
-        <p14:creationId xmlns="" xmlns:p14="http://schemas.microsoft.com/office/powerpoint/2010/main" val="714360239"/>
+        <p14:creationId xmlns:p14="http://schemas.microsoft.com/office/powerpoint/2010/main" xmlns="" val="714360239"/>
       </p:ext>
     </p:extLst>
   </p:cSld>
@@ -2809,7 +2809,7 @@
           <a:blip r:embed="rId2">
             <a:extLst>
               <a:ext uri="{28A0092B-C50C-407E-A947-70E740481C1C}">
-                <a14:useLocalDpi xmlns="" xmlns:a14="http://schemas.microsoft.com/office/drawing/2010/main" val="0"/>
+                <a14:useLocalDpi xmlns:a14="http://schemas.microsoft.com/office/drawing/2010/main" xmlns="" val="0"/>
               </a:ext>
             </a:extLst>
           </a:blip>
@@ -2977,7 +2977,7 @@
     </p:spTree>
     <p:extLst>
       <p:ext uri="{BB962C8B-B14F-4D97-AF65-F5344CB8AC3E}">
-        <p14:creationId xmlns="" xmlns:p14="http://schemas.microsoft.com/office/powerpoint/2010/main" val="2488372515"/>
+        <p14:creationId xmlns:p14="http://schemas.microsoft.com/office/powerpoint/2010/main" xmlns="" val="2488372515"/>
       </p:ext>
     </p:extLst>
   </p:cSld>
@@ -3016,7 +3016,7 @@
           <a:blip r:embed="rId2">
             <a:extLst>
               <a:ext uri="{28A0092B-C50C-407E-A947-70E740481C1C}">
-                <a14:useLocalDpi xmlns="" xmlns:a14="http://schemas.microsoft.com/office/drawing/2010/main" val="0"/>
+                <a14:useLocalDpi xmlns:a14="http://schemas.microsoft.com/office/drawing/2010/main" xmlns="" val="0"/>
               </a:ext>
             </a:extLst>
           </a:blip>
@@ -3189,7 +3189,7 @@
     </p:spTree>
     <p:extLst>
       <p:ext uri="{BB962C8B-B14F-4D97-AF65-F5344CB8AC3E}">
-        <p14:creationId xmlns="" xmlns:p14="http://schemas.microsoft.com/office/powerpoint/2010/main" val="3723182267"/>
+        <p14:creationId xmlns:p14="http://schemas.microsoft.com/office/powerpoint/2010/main" xmlns="" val="3723182267"/>
       </p:ext>
     </p:extLst>
   </p:cSld>
@@ -3228,7 +3228,7 @@
           <a:blip r:embed="rId2">
             <a:extLst>
               <a:ext uri="{28A0092B-C50C-407E-A947-70E740481C1C}">
-                <a14:useLocalDpi xmlns="" xmlns:a14="http://schemas.microsoft.com/office/drawing/2010/main" val="0"/>
+                <a14:useLocalDpi xmlns:a14="http://schemas.microsoft.com/office/drawing/2010/main" xmlns="" val="0"/>
               </a:ext>
             </a:extLst>
           </a:blip>
@@ -3391,7 +3391,7 @@
     </p:spTree>
     <p:extLst>
       <p:ext uri="{BB962C8B-B14F-4D97-AF65-F5344CB8AC3E}">
-        <p14:creationId xmlns="" xmlns:p14="http://schemas.microsoft.com/office/powerpoint/2010/main" val="2709955865"/>
+        <p14:creationId xmlns:p14="http://schemas.microsoft.com/office/powerpoint/2010/main" xmlns="" val="2709955865"/>
       </p:ext>
     </p:extLst>
   </p:cSld>
@@ -3430,7 +3430,7 @@
           <a:blip r:embed="rId2">
             <a:extLst>
               <a:ext uri="{28A0092B-C50C-407E-A947-70E740481C1C}">
-                <a14:useLocalDpi xmlns="" xmlns:a14="http://schemas.microsoft.com/office/drawing/2010/main" val="0"/>
+                <a14:useLocalDpi xmlns:a14="http://schemas.microsoft.com/office/drawing/2010/main" xmlns="" val="0"/>
               </a:ext>
             </a:extLst>
           </a:blip>
@@ -3669,7 +3669,7 @@
     </p:spTree>
     <p:extLst>
       <p:ext uri="{BB962C8B-B14F-4D97-AF65-F5344CB8AC3E}">
-        <p14:creationId xmlns="" xmlns:p14="http://schemas.microsoft.com/office/powerpoint/2010/main" val="3729044329"/>
+        <p14:creationId xmlns:p14="http://schemas.microsoft.com/office/powerpoint/2010/main" xmlns="" val="3729044329"/>
       </p:ext>
     </p:extLst>
   </p:cSld>
@@ -3708,7 +3708,7 @@
           <a:blip r:embed="rId2">
             <a:extLst>
               <a:ext uri="{28A0092B-C50C-407E-A947-70E740481C1C}">
-                <a14:useLocalDpi xmlns="" xmlns:a14="http://schemas.microsoft.com/office/drawing/2010/main" val="0"/>
+                <a14:useLocalDpi xmlns:a14="http://schemas.microsoft.com/office/drawing/2010/main" xmlns="" val="0"/>
               </a:ext>
             </a:extLst>
           </a:blip>
@@ -3937,7 +3937,7 @@
     </p:spTree>
     <p:extLst>
       <p:ext uri="{BB962C8B-B14F-4D97-AF65-F5344CB8AC3E}">
-        <p14:creationId xmlns="" xmlns:p14="http://schemas.microsoft.com/office/powerpoint/2010/main" val="3497885885"/>
+        <p14:creationId xmlns:p14="http://schemas.microsoft.com/office/powerpoint/2010/main" xmlns="" val="3497885885"/>
       </p:ext>
     </p:extLst>
   </p:cSld>
@@ -4313,7 +4313,7 @@
     </p:spTree>
     <p:extLst>
       <p:ext uri="{BB962C8B-B14F-4D97-AF65-F5344CB8AC3E}">
-        <p14:creationId xmlns="" xmlns:p14="http://schemas.microsoft.com/office/powerpoint/2010/main" val="1964301266"/>
+        <p14:creationId xmlns:p14="http://schemas.microsoft.com/office/powerpoint/2010/main" xmlns="" val="1964301266"/>
       </p:ext>
     </p:extLst>
   </p:cSld>
@@ -4352,7 +4352,7 @@
           <a:blip r:embed="rId2">
             <a:extLst>
               <a:ext uri="{28A0092B-C50C-407E-A947-70E740481C1C}">
-                <a14:useLocalDpi xmlns="" xmlns:a14="http://schemas.microsoft.com/office/drawing/2010/main" val="0"/>
+                <a14:useLocalDpi xmlns:a14="http://schemas.microsoft.com/office/drawing/2010/main" xmlns="" val="0"/>
               </a:ext>
             </a:extLst>
           </a:blip>
@@ -4463,7 +4463,7 @@
     </p:spTree>
     <p:extLst>
       <p:ext uri="{BB962C8B-B14F-4D97-AF65-F5344CB8AC3E}">
-        <p14:creationId xmlns="" xmlns:p14="http://schemas.microsoft.com/office/powerpoint/2010/main" val="467812727"/>
+        <p14:creationId xmlns:p14="http://schemas.microsoft.com/office/powerpoint/2010/main" xmlns="" val="467812727"/>
       </p:ext>
     </p:extLst>
   </p:cSld>
@@ -4502,7 +4502,7 @@
           <a:blip r:embed="rId2">
             <a:extLst>
               <a:ext uri="{28A0092B-C50C-407E-A947-70E740481C1C}">
-                <a14:useLocalDpi xmlns="" xmlns:a14="http://schemas.microsoft.com/office/drawing/2010/main" val="0"/>
+                <a14:useLocalDpi xmlns:a14="http://schemas.microsoft.com/office/drawing/2010/main" xmlns="" val="0"/>
               </a:ext>
             </a:extLst>
           </a:blip>
@@ -4590,7 +4590,7 @@
     </p:spTree>
     <p:extLst>
       <p:ext uri="{BB962C8B-B14F-4D97-AF65-F5344CB8AC3E}">
-        <p14:creationId xmlns="" xmlns:p14="http://schemas.microsoft.com/office/powerpoint/2010/main" val="918488690"/>
+        <p14:creationId xmlns:p14="http://schemas.microsoft.com/office/powerpoint/2010/main" xmlns="" val="918488690"/>
       </p:ext>
     </p:extLst>
   </p:cSld>
@@ -4629,7 +4629,7 @@
           <a:blip r:embed="rId2">
             <a:extLst>
               <a:ext uri="{28A0092B-C50C-407E-A947-70E740481C1C}">
-                <a14:useLocalDpi xmlns="" xmlns:a14="http://schemas.microsoft.com/office/drawing/2010/main" val="0"/>
+                <a14:useLocalDpi xmlns:a14="http://schemas.microsoft.com/office/drawing/2010/main" xmlns="" val="0"/>
               </a:ext>
             </a:extLst>
           </a:blip>
@@ -4877,7 +4877,7 @@
     </p:spTree>
     <p:extLst>
       <p:ext uri="{BB962C8B-B14F-4D97-AF65-F5344CB8AC3E}">
-        <p14:creationId xmlns="" xmlns:p14="http://schemas.microsoft.com/office/powerpoint/2010/main" val="95850762"/>
+        <p14:creationId xmlns:p14="http://schemas.microsoft.com/office/powerpoint/2010/main" xmlns="" val="95850762"/>
       </p:ext>
     </p:extLst>
   </p:cSld>
@@ -4916,7 +4916,7 @@
           <a:blip r:embed="rId2">
             <a:extLst>
               <a:ext uri="{28A0092B-C50C-407E-A947-70E740481C1C}">
-                <a14:useLocalDpi xmlns="" xmlns:a14="http://schemas.microsoft.com/office/drawing/2010/main" val="0"/>
+                <a14:useLocalDpi xmlns:a14="http://schemas.microsoft.com/office/drawing/2010/main" xmlns="" val="0"/>
               </a:ext>
             </a:extLst>
           </a:blip>
@@ -5203,7 +5203,7 @@
     </p:spTree>
     <p:extLst>
       <p:ext uri="{BB962C8B-B14F-4D97-AF65-F5344CB8AC3E}">
-        <p14:creationId xmlns="" xmlns:p14="http://schemas.microsoft.com/office/powerpoint/2010/main" val="2237422347"/>
+        <p14:creationId xmlns:p14="http://schemas.microsoft.com/office/powerpoint/2010/main" xmlns="" val="2237422347"/>
       </p:ext>
     </p:extLst>
   </p:cSld>
@@ -5455,7 +5455,7 @@
     </p:spTree>
     <p:extLst>
       <p:ext uri="{BB962C8B-B14F-4D97-AF65-F5344CB8AC3E}">
-        <p14:creationId xmlns="" xmlns:p14="http://schemas.microsoft.com/office/powerpoint/2010/main" val="2080091891"/>
+        <p14:creationId xmlns:p14="http://schemas.microsoft.com/office/powerpoint/2010/main" xmlns="" val="2080091891"/>
       </p:ext>
     </p:extLst>
   </p:cSld>
@@ -6020,7 +6020,7 @@
           <a:blip r:embed="rId2">
             <a:extLst>
               <a:ext uri="{28A0092B-C50C-407E-A947-70E740481C1C}">
-                <a14:useLocalDpi xmlns="" xmlns:a14="http://schemas.microsoft.com/office/drawing/2010/main" val="0"/>
+                <a14:useLocalDpi xmlns:a14="http://schemas.microsoft.com/office/drawing/2010/main" xmlns="" val="0"/>
               </a:ext>
             </a:extLst>
           </a:blip>
@@ -6090,25 +6090,16 @@
     </p:spTree>
     <p:extLst>
       <p:ext uri="{BB962C8B-B14F-4D97-AF65-F5344CB8AC3E}">
-        <p14:creationId xmlns="" xmlns:p14="http://schemas.microsoft.com/office/powerpoint/2010/main" val="2013523504"/>
+        <p14:creationId xmlns:p14="http://schemas.microsoft.com/office/powerpoint/2010/main" xmlns="" val="2013523504"/>
       </p:ext>
     </p:extLst>
   </p:cSld>
   <p:clrMapOvr>
     <a:masterClrMapping/>
   </p:clrMapOvr>
-  <mc:AlternateContent xmlns:mc="http://schemas.openxmlformats.org/markup-compatibility/2006">
-    <mc:Choice xmlns="" xmlns:p14="http://schemas.microsoft.com/office/powerpoint/2010/main" Requires="p14">
-      <p:transition spd="med" p14:dur="700">
-        <p:fade/>
-      </p:transition>
-    </mc:Choice>
-    <mc:Fallback>
-      <p:transition spd="med">
-        <p:fade/>
-      </p:transition>
-    </mc:Fallback>
-  </mc:AlternateContent>
+  <p:transition spd="med">
+    <p:fade thruBlk="1"/>
+  </p:transition>
   <p:timing>
     <p:tnLst>
       <p:par>
@@ -6173,7 +6164,7 @@
           <a:blip r:embed="rId2">
             <a:extLst>
               <a:ext uri="{28A0092B-C50C-407E-A947-70E740481C1C}">
-                <a14:useLocalDpi xmlns="" xmlns:a14="http://schemas.microsoft.com/office/drawing/2010/main" val="0"/>
+                <a14:useLocalDpi xmlns:a14="http://schemas.microsoft.com/office/drawing/2010/main" xmlns="" val="0"/>
               </a:ext>
             </a:extLst>
           </a:blip>
@@ -6811,7 +6802,7 @@
             </a:r>
             <a:r>
               <a:rPr lang="en-US" b="1" dirty="0" err="1" smtClean="0"/>
-              <a:t>BoniMislyashki</a:t>
+              <a:t>gabberfreak</a:t>
             </a:r>
             <a:endParaRPr lang="en-US" b="1" dirty="0" smtClean="0"/>
           </a:p>
@@ -7142,7 +7133,7 @@
     </p:spTree>
     <p:extLst>
       <p:ext uri="{BB962C8B-B14F-4D97-AF65-F5344CB8AC3E}">
-        <p14:creationId xmlns="" xmlns:p14="http://schemas.microsoft.com/office/powerpoint/2010/main" val="546413603"/>
+        <p14:creationId xmlns:p14="http://schemas.microsoft.com/office/powerpoint/2010/main" xmlns="" val="546413603"/>
       </p:ext>
     </p:extLst>
   </p:cSld>
@@ -7219,7 +7210,7 @@
           <a:blip r:embed="rId2">
             <a:extLst>
               <a:ext uri="{28A0092B-C50C-407E-A947-70E740481C1C}">
-                <a14:useLocalDpi xmlns="" xmlns:a14="http://schemas.microsoft.com/office/drawing/2010/main" val="0"/>
+                <a14:useLocalDpi xmlns:a14="http://schemas.microsoft.com/office/drawing/2010/main" xmlns="" val="0"/>
               </a:ext>
             </a:extLst>
           </a:blip>
@@ -7260,7 +7251,7 @@
           <a:blip r:embed="rId3">
             <a:extLst>
               <a:ext uri="{28A0092B-C50C-407E-A947-70E740481C1C}">
-                <a14:useLocalDpi xmlns="" xmlns:a14="http://schemas.microsoft.com/office/drawing/2010/main" val="0"/>
+                <a14:useLocalDpi xmlns:a14="http://schemas.microsoft.com/office/drawing/2010/main" xmlns="" val="0"/>
               </a:ext>
             </a:extLst>
           </a:blip>
@@ -7300,7 +7291,7 @@
           <a:blip r:embed="rId4">
             <a:extLst>
               <a:ext uri="{28A0092B-C50C-407E-A947-70E740481C1C}">
-                <a14:useLocalDpi xmlns="" xmlns:a14="http://schemas.microsoft.com/office/drawing/2010/main" val="0"/>
+                <a14:useLocalDpi xmlns:a14="http://schemas.microsoft.com/office/drawing/2010/main" xmlns="" val="0"/>
               </a:ext>
             </a:extLst>
           </a:blip>
@@ -7320,7 +7311,7 @@
           <a:noFill/>
           <a:extLst>
             <a:ext uri="{909E8E84-426E-40DD-AFC4-6F175D3DCCD1}">
-              <a14:hiddenFill xmlns="" xmlns:a14="http://schemas.microsoft.com/office/drawing/2010/main">
+              <a14:hiddenFill xmlns:a14="http://schemas.microsoft.com/office/drawing/2010/main" xmlns="">
                 <a:solidFill>
                   <a:srgbClr val="FFFFFF"/>
                 </a:solidFill>
@@ -7332,7 +7323,7 @@
     </p:spTree>
     <p:extLst>
       <p:ext uri="{BB962C8B-B14F-4D97-AF65-F5344CB8AC3E}">
-        <p14:creationId xmlns="" xmlns:p14="http://schemas.microsoft.com/office/powerpoint/2010/main" val="2851232797"/>
+        <p14:creationId xmlns:p14="http://schemas.microsoft.com/office/powerpoint/2010/main" xmlns="" val="2851232797"/>
       </p:ext>
     </p:extLst>
   </p:cSld>
@@ -7381,7 +7372,7 @@
           <a:blip r:embed="rId2">
             <a:extLst>
               <a:ext uri="{28A0092B-C50C-407E-A947-70E740481C1C}">
-                <a14:useLocalDpi xmlns="" xmlns:a14="http://schemas.microsoft.com/office/drawing/2010/main" val="0"/>
+                <a14:useLocalDpi xmlns:a14="http://schemas.microsoft.com/office/drawing/2010/main" xmlns="" val="0"/>
               </a:ext>
             </a:extLst>
           </a:blip>
@@ -7422,7 +7413,7 @@
           <a:blip r:embed="rId3">
             <a:extLst>
               <a:ext uri="{28A0092B-C50C-407E-A947-70E740481C1C}">
-                <a14:useLocalDpi xmlns="" xmlns:a14="http://schemas.microsoft.com/office/drawing/2010/main" val="0"/>
+                <a14:useLocalDpi xmlns:a14="http://schemas.microsoft.com/office/drawing/2010/main" xmlns="" val="0"/>
               </a:ext>
             </a:extLst>
           </a:blip>
@@ -7453,7 +7444,7 @@
     </p:spTree>
     <p:extLst>
       <p:ext uri="{BB962C8B-B14F-4D97-AF65-F5344CB8AC3E}">
-        <p14:creationId xmlns="" xmlns:p14="http://schemas.microsoft.com/office/powerpoint/2010/main" val="2157254654"/>
+        <p14:creationId xmlns:p14="http://schemas.microsoft.com/office/powerpoint/2010/main" xmlns="" val="2157254654"/>
       </p:ext>
     </p:extLst>
   </p:cSld>
@@ -7461,7 +7452,7 @@
     <a:masterClrMapping/>
   </p:clrMapOvr>
   <mc:AlternateContent xmlns:mc="http://schemas.openxmlformats.org/markup-compatibility/2006">
-    <mc:Choice xmlns="" xmlns:p15="http://schemas.microsoft.com/office/powerpoint/2012/main" Requires="p15">
+    <mc:Choice xmlns:p15="http://schemas.microsoft.com/office/powerpoint/2012/main" xmlns="" Requires="p15">
       <p:transition xmlns:p14="http://schemas.microsoft.com/office/powerpoint/2010/main" spd="slow" p14:dur="1250">
         <p15:prstTrans prst="peelOff"/>
       </p:transition>
@@ -7725,7 +7716,7 @@
   <a:extraClrSchemeLst/>
   <a:extLst>
     <a:ext uri="{05A4C25C-085E-4340-85A3-A5531E510DB2}">
-      <thm15:themeFamily xmlns="" xmlns:thm15="http://schemas.microsoft.com/office/thememl/2012/main" name="Celestial" id="{C4BB2A3D-0E93-4C5F-B0D2-9D3FCE089CC5}" vid="{61DDDE80-2DFA-4F2A-B66F-72059846BDAA}"/>
+      <thm15:themeFamily xmlns:thm15="http://schemas.microsoft.com/office/thememl/2012/main" xmlns="" name="Celestial" id="{C4BB2A3D-0E93-4C5F-B0D2-9D3FCE089CC5}" vid="{61DDDE80-2DFA-4F2A-B66F-72059846BDAA}"/>
     </a:ext>
   </a:extLst>
 </a:theme>

--- a/TEAM PINCUSHION FLOWER ANNUAL.pptx
+++ b/TEAM PINCUSHION FLOWER ANNUAL.pptx
@@ -109,7 +109,7 @@
   </p:defaultTextStyle>
   <p:extLst>
     <p:ext uri="{EFAFB233-063F-42B5-8137-9DF3F51BA10A}">
-      <p15:sldGuideLst xmlns:p15="http://schemas.microsoft.com/office/powerpoint/2012/main" xmlns=""/>
+      <p15:sldGuideLst xmlns="" xmlns:p15="http://schemas.microsoft.com/office/powerpoint/2012/main"/>
     </p:ext>
   </p:extLst>
 </p:presentation>
@@ -157,7 +157,7 @@
           <a:blip r:embed="rId2">
             <a:extLst>
               <a:ext uri="{28A0092B-C50C-407E-A947-70E740481C1C}">
-                <a14:useLocalDpi xmlns:a14="http://schemas.microsoft.com/office/drawing/2010/main" xmlns="" val="0"/>
+                <a14:useLocalDpi xmlns="" xmlns:a14="http://schemas.microsoft.com/office/drawing/2010/main" val="0"/>
               </a:ext>
             </a:extLst>
           </a:blip>
@@ -415,7 +415,7 @@
     </p:spTree>
     <p:extLst>
       <p:ext uri="{BB962C8B-B14F-4D97-AF65-F5344CB8AC3E}">
-        <p14:creationId xmlns:p14="http://schemas.microsoft.com/office/powerpoint/2010/main" xmlns="" val="3062083995"/>
+        <p14:creationId xmlns="" xmlns:p14="http://schemas.microsoft.com/office/powerpoint/2010/main" val="3062083995"/>
       </p:ext>
     </p:extLst>
   </p:cSld>
@@ -454,7 +454,7 @@
           <a:blip r:embed="rId2">
             <a:extLst>
               <a:ext uri="{28A0092B-C50C-407E-A947-70E740481C1C}">
-                <a14:useLocalDpi xmlns:a14="http://schemas.microsoft.com/office/drawing/2010/main" xmlns="" val="0"/>
+                <a14:useLocalDpi xmlns="" xmlns:a14="http://schemas.microsoft.com/office/drawing/2010/main" val="0"/>
               </a:ext>
             </a:extLst>
           </a:blip>
@@ -741,7 +741,7 @@
     </p:spTree>
     <p:extLst>
       <p:ext uri="{BB962C8B-B14F-4D97-AF65-F5344CB8AC3E}">
-        <p14:creationId xmlns:p14="http://schemas.microsoft.com/office/powerpoint/2010/main" xmlns="" val="770600843"/>
+        <p14:creationId xmlns="" xmlns:p14="http://schemas.microsoft.com/office/powerpoint/2010/main" val="770600843"/>
       </p:ext>
     </p:extLst>
   </p:cSld>
@@ -781,7 +781,7 @@
           <a:blip r:embed="rId2">
             <a:extLst>
               <a:ext uri="{28A0092B-C50C-407E-A947-70E740481C1C}">
-                <a14:useLocalDpi xmlns:a14="http://schemas.microsoft.com/office/drawing/2010/main" xmlns="" val="0"/>
+                <a14:useLocalDpi xmlns="" xmlns:a14="http://schemas.microsoft.com/office/drawing/2010/main" val="0"/>
               </a:ext>
             </a:extLst>
           </a:blip>
@@ -1022,7 +1022,7 @@
     </p:spTree>
     <p:extLst>
       <p:ext uri="{BB962C8B-B14F-4D97-AF65-F5344CB8AC3E}">
-        <p14:creationId xmlns:p14="http://schemas.microsoft.com/office/powerpoint/2010/main" xmlns="" val="3832827796"/>
+        <p14:creationId xmlns="" xmlns:p14="http://schemas.microsoft.com/office/powerpoint/2010/main" val="3832827796"/>
       </p:ext>
     </p:extLst>
   </p:cSld>
@@ -1062,7 +1062,7 @@
           <a:blip r:embed="rId2">
             <a:extLst>
               <a:ext uri="{28A0092B-C50C-407E-A947-70E740481C1C}">
-                <a14:useLocalDpi xmlns:a14="http://schemas.microsoft.com/office/drawing/2010/main" xmlns="" val="0"/>
+                <a14:useLocalDpi xmlns="" xmlns:a14="http://schemas.microsoft.com/office/drawing/2010/main" val="0"/>
               </a:ext>
             </a:extLst>
           </a:blip>
@@ -1593,7 +1593,7 @@
     </p:spTree>
     <p:extLst>
       <p:ext uri="{BB962C8B-B14F-4D97-AF65-F5344CB8AC3E}">
-        <p14:creationId xmlns:p14="http://schemas.microsoft.com/office/powerpoint/2010/main" xmlns="" val="2785925347"/>
+        <p14:creationId xmlns="" xmlns:p14="http://schemas.microsoft.com/office/powerpoint/2010/main" val="2785925347"/>
       </p:ext>
     </p:extLst>
   </p:cSld>
@@ -1633,7 +1633,7 @@
           <a:blip r:embed="rId2">
             <a:extLst>
               <a:ext uri="{28A0092B-C50C-407E-A947-70E740481C1C}">
-                <a14:useLocalDpi xmlns:a14="http://schemas.microsoft.com/office/drawing/2010/main" xmlns="" val="0"/>
+                <a14:useLocalDpi xmlns="" xmlns:a14="http://schemas.microsoft.com/office/drawing/2010/main" val="0"/>
               </a:ext>
             </a:extLst>
           </a:blip>
@@ -1874,7 +1874,7 @@
     </p:spTree>
     <p:extLst>
       <p:ext uri="{BB962C8B-B14F-4D97-AF65-F5344CB8AC3E}">
-        <p14:creationId xmlns:p14="http://schemas.microsoft.com/office/powerpoint/2010/main" xmlns="" val="3687469231"/>
+        <p14:creationId xmlns="" xmlns:p14="http://schemas.microsoft.com/office/powerpoint/2010/main" val="3687469231"/>
       </p:ext>
     </p:extLst>
   </p:cSld>
@@ -1914,7 +1914,7 @@
           <a:blip r:embed="rId2">
             <a:extLst>
               <a:ext uri="{28A0092B-C50C-407E-A947-70E740481C1C}">
-                <a14:useLocalDpi xmlns:a14="http://schemas.microsoft.com/office/drawing/2010/main" xmlns="" val="0"/>
+                <a14:useLocalDpi xmlns="" xmlns:a14="http://schemas.microsoft.com/office/drawing/2010/main" val="0"/>
               </a:ext>
             </a:extLst>
           </a:blip>
@@ -2439,7 +2439,7 @@
     </p:spTree>
     <p:extLst>
       <p:ext uri="{BB962C8B-B14F-4D97-AF65-F5344CB8AC3E}">
-        <p14:creationId xmlns:p14="http://schemas.microsoft.com/office/powerpoint/2010/main" xmlns="" val="3185171706"/>
+        <p14:creationId xmlns="" xmlns:p14="http://schemas.microsoft.com/office/powerpoint/2010/main" val="3185171706"/>
       </p:ext>
     </p:extLst>
   </p:cSld>
@@ -2479,7 +2479,7 @@
           <a:blip r:embed="rId2">
             <a:extLst>
               <a:ext uri="{28A0092B-C50C-407E-A947-70E740481C1C}">
-                <a14:useLocalDpi xmlns:a14="http://schemas.microsoft.com/office/drawing/2010/main" xmlns="" val="0"/>
+                <a14:useLocalDpi xmlns="" xmlns:a14="http://schemas.microsoft.com/office/drawing/2010/main" val="0"/>
               </a:ext>
             </a:extLst>
           </a:blip>
@@ -2769,7 +2769,7 @@
     </p:spTree>
     <p:extLst>
       <p:ext uri="{BB962C8B-B14F-4D97-AF65-F5344CB8AC3E}">
-        <p14:creationId xmlns:p14="http://schemas.microsoft.com/office/powerpoint/2010/main" xmlns="" val="714360239"/>
+        <p14:creationId xmlns="" xmlns:p14="http://schemas.microsoft.com/office/powerpoint/2010/main" val="714360239"/>
       </p:ext>
     </p:extLst>
   </p:cSld>
@@ -2809,7 +2809,7 @@
           <a:blip r:embed="rId2">
             <a:extLst>
               <a:ext uri="{28A0092B-C50C-407E-A947-70E740481C1C}">
-                <a14:useLocalDpi xmlns:a14="http://schemas.microsoft.com/office/drawing/2010/main" xmlns="" val="0"/>
+                <a14:useLocalDpi xmlns="" xmlns:a14="http://schemas.microsoft.com/office/drawing/2010/main" val="0"/>
               </a:ext>
             </a:extLst>
           </a:blip>
@@ -2977,7 +2977,7 @@
     </p:spTree>
     <p:extLst>
       <p:ext uri="{BB962C8B-B14F-4D97-AF65-F5344CB8AC3E}">
-        <p14:creationId xmlns:p14="http://schemas.microsoft.com/office/powerpoint/2010/main" xmlns="" val="2488372515"/>
+        <p14:creationId xmlns="" xmlns:p14="http://schemas.microsoft.com/office/powerpoint/2010/main" val="2488372515"/>
       </p:ext>
     </p:extLst>
   </p:cSld>
@@ -3016,7 +3016,7 @@
           <a:blip r:embed="rId2">
             <a:extLst>
               <a:ext uri="{28A0092B-C50C-407E-A947-70E740481C1C}">
-                <a14:useLocalDpi xmlns:a14="http://schemas.microsoft.com/office/drawing/2010/main" xmlns="" val="0"/>
+                <a14:useLocalDpi xmlns="" xmlns:a14="http://schemas.microsoft.com/office/drawing/2010/main" val="0"/>
               </a:ext>
             </a:extLst>
           </a:blip>
@@ -3189,7 +3189,7 @@
     </p:spTree>
     <p:extLst>
       <p:ext uri="{BB962C8B-B14F-4D97-AF65-F5344CB8AC3E}">
-        <p14:creationId xmlns:p14="http://schemas.microsoft.com/office/powerpoint/2010/main" xmlns="" val="3723182267"/>
+        <p14:creationId xmlns="" xmlns:p14="http://schemas.microsoft.com/office/powerpoint/2010/main" val="3723182267"/>
       </p:ext>
     </p:extLst>
   </p:cSld>
@@ -3228,7 +3228,7 @@
           <a:blip r:embed="rId2">
             <a:extLst>
               <a:ext uri="{28A0092B-C50C-407E-A947-70E740481C1C}">
-                <a14:useLocalDpi xmlns:a14="http://schemas.microsoft.com/office/drawing/2010/main" xmlns="" val="0"/>
+                <a14:useLocalDpi xmlns="" xmlns:a14="http://schemas.microsoft.com/office/drawing/2010/main" val="0"/>
               </a:ext>
             </a:extLst>
           </a:blip>
@@ -3391,7 +3391,7 @@
     </p:spTree>
     <p:extLst>
       <p:ext uri="{BB962C8B-B14F-4D97-AF65-F5344CB8AC3E}">
-        <p14:creationId xmlns:p14="http://schemas.microsoft.com/office/powerpoint/2010/main" xmlns="" val="2709955865"/>
+        <p14:creationId xmlns="" xmlns:p14="http://schemas.microsoft.com/office/powerpoint/2010/main" val="2709955865"/>
       </p:ext>
     </p:extLst>
   </p:cSld>
@@ -3430,7 +3430,7 @@
           <a:blip r:embed="rId2">
             <a:extLst>
               <a:ext uri="{28A0092B-C50C-407E-A947-70E740481C1C}">
-                <a14:useLocalDpi xmlns:a14="http://schemas.microsoft.com/office/drawing/2010/main" xmlns="" val="0"/>
+                <a14:useLocalDpi xmlns="" xmlns:a14="http://schemas.microsoft.com/office/drawing/2010/main" val="0"/>
               </a:ext>
             </a:extLst>
           </a:blip>
@@ -3669,7 +3669,7 @@
     </p:spTree>
     <p:extLst>
       <p:ext uri="{BB962C8B-B14F-4D97-AF65-F5344CB8AC3E}">
-        <p14:creationId xmlns:p14="http://schemas.microsoft.com/office/powerpoint/2010/main" xmlns="" val="3729044329"/>
+        <p14:creationId xmlns="" xmlns:p14="http://schemas.microsoft.com/office/powerpoint/2010/main" val="3729044329"/>
       </p:ext>
     </p:extLst>
   </p:cSld>
@@ -3708,7 +3708,7 @@
           <a:blip r:embed="rId2">
             <a:extLst>
               <a:ext uri="{28A0092B-C50C-407E-A947-70E740481C1C}">
-                <a14:useLocalDpi xmlns:a14="http://schemas.microsoft.com/office/drawing/2010/main" xmlns="" val="0"/>
+                <a14:useLocalDpi xmlns="" xmlns:a14="http://schemas.microsoft.com/office/drawing/2010/main" val="0"/>
               </a:ext>
             </a:extLst>
           </a:blip>
@@ -3937,7 +3937,7 @@
     </p:spTree>
     <p:extLst>
       <p:ext uri="{BB962C8B-B14F-4D97-AF65-F5344CB8AC3E}">
-        <p14:creationId xmlns:p14="http://schemas.microsoft.com/office/powerpoint/2010/main" xmlns="" val="3497885885"/>
+        <p14:creationId xmlns="" xmlns:p14="http://schemas.microsoft.com/office/powerpoint/2010/main" val="3497885885"/>
       </p:ext>
     </p:extLst>
   </p:cSld>
@@ -4313,7 +4313,7 @@
     </p:spTree>
     <p:extLst>
       <p:ext uri="{BB962C8B-B14F-4D97-AF65-F5344CB8AC3E}">
-        <p14:creationId xmlns:p14="http://schemas.microsoft.com/office/powerpoint/2010/main" xmlns="" val="1964301266"/>
+        <p14:creationId xmlns="" xmlns:p14="http://schemas.microsoft.com/office/powerpoint/2010/main" val="1964301266"/>
       </p:ext>
     </p:extLst>
   </p:cSld>
@@ -4352,7 +4352,7 @@
           <a:blip r:embed="rId2">
             <a:extLst>
               <a:ext uri="{28A0092B-C50C-407E-A947-70E740481C1C}">
-                <a14:useLocalDpi xmlns:a14="http://schemas.microsoft.com/office/drawing/2010/main" xmlns="" val="0"/>
+                <a14:useLocalDpi xmlns="" xmlns:a14="http://schemas.microsoft.com/office/drawing/2010/main" val="0"/>
               </a:ext>
             </a:extLst>
           </a:blip>
@@ -4463,7 +4463,7 @@
     </p:spTree>
     <p:extLst>
       <p:ext uri="{BB962C8B-B14F-4D97-AF65-F5344CB8AC3E}">
-        <p14:creationId xmlns:p14="http://schemas.microsoft.com/office/powerpoint/2010/main" xmlns="" val="467812727"/>
+        <p14:creationId xmlns="" xmlns:p14="http://schemas.microsoft.com/office/powerpoint/2010/main" val="467812727"/>
       </p:ext>
     </p:extLst>
   </p:cSld>
@@ -4502,7 +4502,7 @@
           <a:blip r:embed="rId2">
             <a:extLst>
               <a:ext uri="{28A0092B-C50C-407E-A947-70E740481C1C}">
-                <a14:useLocalDpi xmlns:a14="http://schemas.microsoft.com/office/drawing/2010/main" xmlns="" val="0"/>
+                <a14:useLocalDpi xmlns="" xmlns:a14="http://schemas.microsoft.com/office/drawing/2010/main" val="0"/>
               </a:ext>
             </a:extLst>
           </a:blip>
@@ -4590,7 +4590,7 @@
     </p:spTree>
     <p:extLst>
       <p:ext uri="{BB962C8B-B14F-4D97-AF65-F5344CB8AC3E}">
-        <p14:creationId xmlns:p14="http://schemas.microsoft.com/office/powerpoint/2010/main" xmlns="" val="918488690"/>
+        <p14:creationId xmlns="" xmlns:p14="http://schemas.microsoft.com/office/powerpoint/2010/main" val="918488690"/>
       </p:ext>
     </p:extLst>
   </p:cSld>
@@ -4629,7 +4629,7 @@
           <a:blip r:embed="rId2">
             <a:extLst>
               <a:ext uri="{28A0092B-C50C-407E-A947-70E740481C1C}">
-                <a14:useLocalDpi xmlns:a14="http://schemas.microsoft.com/office/drawing/2010/main" xmlns="" val="0"/>
+                <a14:useLocalDpi xmlns="" xmlns:a14="http://schemas.microsoft.com/office/drawing/2010/main" val="0"/>
               </a:ext>
             </a:extLst>
           </a:blip>
@@ -4877,7 +4877,7 @@
     </p:spTree>
     <p:extLst>
       <p:ext uri="{BB962C8B-B14F-4D97-AF65-F5344CB8AC3E}">
-        <p14:creationId xmlns:p14="http://schemas.microsoft.com/office/powerpoint/2010/main" xmlns="" val="95850762"/>
+        <p14:creationId xmlns="" xmlns:p14="http://schemas.microsoft.com/office/powerpoint/2010/main" val="95850762"/>
       </p:ext>
     </p:extLst>
   </p:cSld>
@@ -4916,7 +4916,7 @@
           <a:blip r:embed="rId2">
             <a:extLst>
               <a:ext uri="{28A0092B-C50C-407E-A947-70E740481C1C}">
-                <a14:useLocalDpi xmlns:a14="http://schemas.microsoft.com/office/drawing/2010/main" xmlns="" val="0"/>
+                <a14:useLocalDpi xmlns="" xmlns:a14="http://schemas.microsoft.com/office/drawing/2010/main" val="0"/>
               </a:ext>
             </a:extLst>
           </a:blip>
@@ -5203,7 +5203,7 @@
     </p:spTree>
     <p:extLst>
       <p:ext uri="{BB962C8B-B14F-4D97-AF65-F5344CB8AC3E}">
-        <p14:creationId xmlns:p14="http://schemas.microsoft.com/office/powerpoint/2010/main" xmlns="" val="2237422347"/>
+        <p14:creationId xmlns="" xmlns:p14="http://schemas.microsoft.com/office/powerpoint/2010/main" val="2237422347"/>
       </p:ext>
     </p:extLst>
   </p:cSld>
@@ -5455,7 +5455,7 @@
     </p:spTree>
     <p:extLst>
       <p:ext uri="{BB962C8B-B14F-4D97-AF65-F5344CB8AC3E}">
-        <p14:creationId xmlns:p14="http://schemas.microsoft.com/office/powerpoint/2010/main" xmlns="" val="2080091891"/>
+        <p14:creationId xmlns="" xmlns:p14="http://schemas.microsoft.com/office/powerpoint/2010/main" val="2080091891"/>
       </p:ext>
     </p:extLst>
   </p:cSld>
@@ -6020,7 +6020,7 @@
           <a:blip r:embed="rId2">
             <a:extLst>
               <a:ext uri="{28A0092B-C50C-407E-A947-70E740481C1C}">
-                <a14:useLocalDpi xmlns:a14="http://schemas.microsoft.com/office/drawing/2010/main" xmlns="" val="0"/>
+                <a14:useLocalDpi xmlns="" xmlns:a14="http://schemas.microsoft.com/office/drawing/2010/main" val="0"/>
               </a:ext>
             </a:extLst>
           </a:blip>
@@ -6090,7 +6090,7 @@
     </p:spTree>
     <p:extLst>
       <p:ext uri="{BB962C8B-B14F-4D97-AF65-F5344CB8AC3E}">
-        <p14:creationId xmlns:p14="http://schemas.microsoft.com/office/powerpoint/2010/main" xmlns="" val="2013523504"/>
+        <p14:creationId xmlns="" xmlns:p14="http://schemas.microsoft.com/office/powerpoint/2010/main" val="2013523504"/>
       </p:ext>
     </p:extLst>
   </p:cSld>
@@ -6164,7 +6164,7 @@
           <a:blip r:embed="rId2">
             <a:extLst>
               <a:ext uri="{28A0092B-C50C-407E-A947-70E740481C1C}">
-                <a14:useLocalDpi xmlns:a14="http://schemas.microsoft.com/office/drawing/2010/main" xmlns="" val="0"/>
+                <a14:useLocalDpi xmlns="" xmlns:a14="http://schemas.microsoft.com/office/drawing/2010/main" val="0"/>
               </a:ext>
             </a:extLst>
           </a:blip>
@@ -7133,7 +7133,7 @@
     </p:spTree>
     <p:extLst>
       <p:ext uri="{BB962C8B-B14F-4D97-AF65-F5344CB8AC3E}">
-        <p14:creationId xmlns:p14="http://schemas.microsoft.com/office/powerpoint/2010/main" xmlns="" val="546413603"/>
+        <p14:creationId xmlns="" xmlns:p14="http://schemas.microsoft.com/office/powerpoint/2010/main" val="546413603"/>
       </p:ext>
     </p:extLst>
   </p:cSld>
@@ -7210,7 +7210,7 @@
           <a:blip r:embed="rId2">
             <a:extLst>
               <a:ext uri="{28A0092B-C50C-407E-A947-70E740481C1C}">
-                <a14:useLocalDpi xmlns:a14="http://schemas.microsoft.com/office/drawing/2010/main" xmlns="" val="0"/>
+                <a14:useLocalDpi xmlns="" xmlns:a14="http://schemas.microsoft.com/office/drawing/2010/main" val="0"/>
               </a:ext>
             </a:extLst>
           </a:blip>
@@ -7251,7 +7251,7 @@
           <a:blip r:embed="rId3">
             <a:extLst>
               <a:ext uri="{28A0092B-C50C-407E-A947-70E740481C1C}">
-                <a14:useLocalDpi xmlns:a14="http://schemas.microsoft.com/office/drawing/2010/main" xmlns="" val="0"/>
+                <a14:useLocalDpi xmlns="" xmlns:a14="http://schemas.microsoft.com/office/drawing/2010/main" val="0"/>
               </a:ext>
             </a:extLst>
           </a:blip>
@@ -7291,7 +7291,7 @@
           <a:blip r:embed="rId4">
             <a:extLst>
               <a:ext uri="{28A0092B-C50C-407E-A947-70E740481C1C}">
-                <a14:useLocalDpi xmlns:a14="http://schemas.microsoft.com/office/drawing/2010/main" xmlns="" val="0"/>
+                <a14:useLocalDpi xmlns="" xmlns:a14="http://schemas.microsoft.com/office/drawing/2010/main" val="0"/>
               </a:ext>
             </a:extLst>
           </a:blip>
@@ -7311,7 +7311,7 @@
           <a:noFill/>
           <a:extLst>
             <a:ext uri="{909E8E84-426E-40DD-AFC4-6F175D3DCCD1}">
-              <a14:hiddenFill xmlns:a14="http://schemas.microsoft.com/office/drawing/2010/main" xmlns="">
+              <a14:hiddenFill xmlns="" xmlns:a14="http://schemas.microsoft.com/office/drawing/2010/main">
                 <a:solidFill>
                   <a:srgbClr val="FFFFFF"/>
                 </a:solidFill>
@@ -7323,7 +7323,7 @@
     </p:spTree>
     <p:extLst>
       <p:ext uri="{BB962C8B-B14F-4D97-AF65-F5344CB8AC3E}">
-        <p14:creationId xmlns:p14="http://schemas.microsoft.com/office/powerpoint/2010/main" xmlns="" val="2851232797"/>
+        <p14:creationId xmlns="" xmlns:p14="http://schemas.microsoft.com/office/powerpoint/2010/main" val="2851232797"/>
       </p:ext>
     </p:extLst>
   </p:cSld>
@@ -7372,7 +7372,7 @@
           <a:blip r:embed="rId2">
             <a:extLst>
               <a:ext uri="{28A0092B-C50C-407E-A947-70E740481C1C}">
-                <a14:useLocalDpi xmlns:a14="http://schemas.microsoft.com/office/drawing/2010/main" xmlns="" val="0"/>
+                <a14:useLocalDpi xmlns="" xmlns:a14="http://schemas.microsoft.com/office/drawing/2010/main" val="0"/>
               </a:ext>
             </a:extLst>
           </a:blip>
@@ -7413,7 +7413,7 @@
           <a:blip r:embed="rId3">
             <a:extLst>
               <a:ext uri="{28A0092B-C50C-407E-A947-70E740481C1C}">
-                <a14:useLocalDpi xmlns:a14="http://schemas.microsoft.com/office/drawing/2010/main" xmlns="" val="0"/>
+                <a14:useLocalDpi xmlns="" xmlns:a14="http://schemas.microsoft.com/office/drawing/2010/main" val="0"/>
               </a:ext>
             </a:extLst>
           </a:blip>
@@ -7444,7 +7444,7 @@
     </p:spTree>
     <p:extLst>
       <p:ext uri="{BB962C8B-B14F-4D97-AF65-F5344CB8AC3E}">
-        <p14:creationId xmlns:p14="http://schemas.microsoft.com/office/powerpoint/2010/main" xmlns="" val="2157254654"/>
+        <p14:creationId xmlns="" xmlns:p14="http://schemas.microsoft.com/office/powerpoint/2010/main" val="2157254654"/>
       </p:ext>
     </p:extLst>
   </p:cSld>
@@ -7452,7 +7452,7 @@
     <a:masterClrMapping/>
   </p:clrMapOvr>
   <mc:AlternateContent xmlns:mc="http://schemas.openxmlformats.org/markup-compatibility/2006">
-    <mc:Choice xmlns:p15="http://schemas.microsoft.com/office/powerpoint/2012/main" xmlns="" Requires="p15">
+    <mc:Choice xmlns="" xmlns:p15="http://schemas.microsoft.com/office/powerpoint/2012/main" Requires="p15">
       <p:transition xmlns:p14="http://schemas.microsoft.com/office/powerpoint/2010/main" spd="slow" p14:dur="1250">
         <p15:prstTrans prst="peelOff"/>
       </p:transition>
@@ -7716,7 +7716,7 @@
   <a:extraClrSchemeLst/>
   <a:extLst>
     <a:ext uri="{05A4C25C-085E-4340-85A3-A5531E510DB2}">
-      <thm15:themeFamily xmlns:thm15="http://schemas.microsoft.com/office/thememl/2012/main" xmlns="" name="Celestial" id="{C4BB2A3D-0E93-4C5F-B0D2-9D3FCE089CC5}" vid="{61DDDE80-2DFA-4F2A-B66F-72059846BDAA}"/>
+      <thm15:themeFamily xmlns="" xmlns:thm15="http://schemas.microsoft.com/office/thememl/2012/main" name="Celestial" id="{C4BB2A3D-0E93-4C5F-B0D2-9D3FCE089CC5}" vid="{61DDDE80-2DFA-4F2A-B66F-72059846BDAA}"/>
     </a:ext>
   </a:extLst>
 </a:theme>

--- a/TEAM PINCUSHION FLOWER ANNUAL.pptx
+++ b/TEAM PINCUSHION FLOWER ANNUAL.pptx
@@ -6103,9 +6103,256 @@
   <p:timing>
     <p:tnLst>
       <p:par>
-        <p:cTn id="1" dur="indefinite" restart="never" nodeType="tmRoot"/>
+        <p:cTn id="1" dur="indefinite" restart="never" nodeType="tmRoot">
+          <p:childTnLst>
+            <p:seq concurrent="1" nextAc="seek">
+              <p:cTn id="2" dur="indefinite" nodeType="mainSeq">
+                <p:childTnLst>
+                  <p:par>
+                    <p:cTn id="3" fill="hold">
+                      <p:stCondLst>
+                        <p:cond delay="indefinite"/>
+                      </p:stCondLst>
+                      <p:childTnLst>
+                        <p:par>
+                          <p:cTn id="4" fill="hold">
+                            <p:stCondLst>
+                              <p:cond delay="0"/>
+                            </p:stCondLst>
+                            <p:childTnLst>
+                              <p:par>
+                                <p:cTn id="5" presetID="10" presetClass="entr" presetSubtype="0" fill="hold" nodeType="clickEffect">
+                                  <p:stCondLst>
+                                    <p:cond delay="0"/>
+                                  </p:stCondLst>
+                                  <p:childTnLst>
+                                    <p:set>
+                                      <p:cBhvr>
+                                        <p:cTn id="6" dur="1" fill="hold">
+                                          <p:stCondLst>
+                                            <p:cond delay="0"/>
+                                          </p:stCondLst>
+                                        </p:cTn>
+                                        <p:tgtEl>
+                                          <p:spTgt spid="1026"/>
+                                        </p:tgtEl>
+                                        <p:attrNameLst>
+                                          <p:attrName>style.visibility</p:attrName>
+                                        </p:attrNameLst>
+                                      </p:cBhvr>
+                                      <p:to>
+                                        <p:strVal val="visible"/>
+                                      </p:to>
+                                    </p:set>
+                                    <p:animEffect transition="in" filter="fade">
+                                      <p:cBhvr>
+                                        <p:cTn id="7" dur="2000"/>
+                                        <p:tgtEl>
+                                          <p:spTgt spid="1026"/>
+                                        </p:tgtEl>
+                                      </p:cBhvr>
+                                    </p:animEffect>
+                                  </p:childTnLst>
+                                </p:cTn>
+                              </p:par>
+                            </p:childTnLst>
+                          </p:cTn>
+                        </p:par>
+                      </p:childTnLst>
+                    </p:cTn>
+                  </p:par>
+                  <p:par>
+                    <p:cTn id="8" fill="hold">
+                      <p:stCondLst>
+                        <p:cond delay="indefinite"/>
+                      </p:stCondLst>
+                      <p:childTnLst>
+                        <p:par>
+                          <p:cTn id="9" fill="hold">
+                            <p:stCondLst>
+                              <p:cond delay="0"/>
+                            </p:stCondLst>
+                            <p:childTnLst>
+                              <p:par>
+                                <p:cTn id="10" presetID="10" presetClass="entr" presetSubtype="0" fill="hold" nodeType="clickEffect">
+                                  <p:stCondLst>
+                                    <p:cond delay="0"/>
+                                  </p:stCondLst>
+                                  <p:childTnLst>
+                                    <p:set>
+                                      <p:cBhvr>
+                                        <p:cTn id="11" dur="1" fill="hold">
+                                          <p:stCondLst>
+                                            <p:cond delay="0"/>
+                                          </p:stCondLst>
+                                        </p:cTn>
+                                        <p:tgtEl>
+                                          <p:spTgt spid="4"/>
+                                        </p:tgtEl>
+                                        <p:attrNameLst>
+                                          <p:attrName>style.visibility</p:attrName>
+                                        </p:attrNameLst>
+                                      </p:cBhvr>
+                                      <p:to>
+                                        <p:strVal val="visible"/>
+                                      </p:to>
+                                    </p:set>
+                                    <p:animEffect transition="in" filter="fade">
+                                      <p:cBhvr>
+                                        <p:cTn id="12" dur="2000"/>
+                                        <p:tgtEl>
+                                          <p:spTgt spid="4"/>
+                                        </p:tgtEl>
+                                      </p:cBhvr>
+                                    </p:animEffect>
+                                  </p:childTnLst>
+                                </p:cTn>
+                              </p:par>
+                            </p:childTnLst>
+                          </p:cTn>
+                        </p:par>
+                      </p:childTnLst>
+                    </p:cTn>
+                  </p:par>
+                  <p:par>
+                    <p:cTn id="13" fill="hold">
+                      <p:stCondLst>
+                        <p:cond delay="indefinite"/>
+                      </p:stCondLst>
+                      <p:childTnLst>
+                        <p:par>
+                          <p:cTn id="14" fill="hold">
+                            <p:stCondLst>
+                              <p:cond delay="0"/>
+                            </p:stCondLst>
+                            <p:childTnLst>
+                              <p:par>
+                                <p:cTn id="15" presetID="22" presetClass="entr" presetSubtype="4" fill="hold" grpId="0" nodeType="clickEffect">
+                                  <p:stCondLst>
+                                    <p:cond delay="0"/>
+                                  </p:stCondLst>
+                                  <p:childTnLst>
+                                    <p:set>
+                                      <p:cBhvr>
+                                        <p:cTn id="16" dur="1" fill="hold">
+                                          <p:stCondLst>
+                                            <p:cond delay="0"/>
+                                          </p:stCondLst>
+                                        </p:cTn>
+                                        <p:tgtEl>
+                                          <p:spTgt spid="2"/>
+                                        </p:tgtEl>
+                                        <p:attrNameLst>
+                                          <p:attrName>style.visibility</p:attrName>
+                                        </p:attrNameLst>
+                                      </p:cBhvr>
+                                      <p:to>
+                                        <p:strVal val="visible"/>
+                                      </p:to>
+                                    </p:set>
+                                    <p:animEffect transition="in" filter="wipe(down)">
+                                      <p:cBhvr>
+                                        <p:cTn id="17" dur="500"/>
+                                        <p:tgtEl>
+                                          <p:spTgt spid="2"/>
+                                        </p:tgtEl>
+                                      </p:cBhvr>
+                                    </p:animEffect>
+                                  </p:childTnLst>
+                                </p:cTn>
+                              </p:par>
+                            </p:childTnLst>
+                          </p:cTn>
+                        </p:par>
+                      </p:childTnLst>
+                    </p:cTn>
+                  </p:par>
+                  <p:par>
+                    <p:cTn id="18" fill="hold">
+                      <p:stCondLst>
+                        <p:cond delay="indefinite"/>
+                      </p:stCondLst>
+                      <p:childTnLst>
+                        <p:par>
+                          <p:cTn id="19" fill="hold">
+                            <p:stCondLst>
+                              <p:cond delay="0"/>
+                            </p:stCondLst>
+                            <p:childTnLst>
+                              <p:par>
+                                <p:cTn id="20" presetID="10" presetClass="entr" presetSubtype="0" fill="hold" grpId="0" nodeType="clickEffect">
+                                  <p:stCondLst>
+                                    <p:cond delay="0"/>
+                                  </p:stCondLst>
+                                  <p:childTnLst>
+                                    <p:set>
+                                      <p:cBhvr>
+                                        <p:cTn id="21" dur="1" fill="hold">
+                                          <p:stCondLst>
+                                            <p:cond delay="0"/>
+                                          </p:stCondLst>
+                                        </p:cTn>
+                                        <p:tgtEl>
+                                          <p:spTgt spid="3">
+                                            <p:txEl>
+                                              <p:pRg st="0" end="0"/>
+                                            </p:txEl>
+                                          </p:spTgt>
+                                        </p:tgtEl>
+                                        <p:attrNameLst>
+                                          <p:attrName>style.visibility</p:attrName>
+                                        </p:attrNameLst>
+                                      </p:cBhvr>
+                                      <p:to>
+                                        <p:strVal val="visible"/>
+                                      </p:to>
+                                    </p:set>
+                                    <p:animEffect transition="in" filter="fade">
+                                      <p:cBhvr>
+                                        <p:cTn id="22" dur="2000"/>
+                                        <p:tgtEl>
+                                          <p:spTgt spid="3">
+                                            <p:txEl>
+                                              <p:pRg st="0" end="0"/>
+                                            </p:txEl>
+                                          </p:spTgt>
+                                        </p:tgtEl>
+                                      </p:cBhvr>
+                                    </p:animEffect>
+                                  </p:childTnLst>
+                                </p:cTn>
+                              </p:par>
+                            </p:childTnLst>
+                          </p:cTn>
+                        </p:par>
+                      </p:childTnLst>
+                    </p:cTn>
+                  </p:par>
+                </p:childTnLst>
+              </p:cTn>
+              <p:prevCondLst>
+                <p:cond evt="onPrev" delay="0">
+                  <p:tgtEl>
+                    <p:sldTgt/>
+                  </p:tgtEl>
+                </p:cond>
+              </p:prevCondLst>
+              <p:nextCondLst>
+                <p:cond evt="onNext" delay="0">
+                  <p:tgtEl>
+                    <p:sldTgt/>
+                  </p:tgtEl>
+                </p:cond>
+              </p:nextCondLst>
+            </p:seq>
+          </p:childTnLst>
+        </p:cTn>
       </p:par>
     </p:tnLst>
+    <p:bldLst>
+      <p:bldP spid="2" grpId="0"/>
+      <p:bldP spid="3" grpId="0" build="allAtOnce"/>
+    </p:bldLst>
   </p:timing>
 </p:sld>
 </file>
@@ -6825,7 +7072,7 @@
         </p:nvSpPr>
         <p:spPr>
           <a:xfrm>
-            <a:off x="8276823" y="1663108"/>
+            <a:off x="8276823" y="1689234"/>
             <a:ext cx="3915177" cy="4100658"/>
           </a:xfrm>
           <a:prstGeom prst="rect">
@@ -7146,9 +7393,979 @@
   <p:timing>
     <p:tnLst>
       <p:par>
-        <p:cTn id="1" dur="indefinite" restart="never" nodeType="tmRoot"/>
+        <p:cTn id="1" dur="indefinite" restart="never" nodeType="tmRoot">
+          <p:childTnLst>
+            <p:seq concurrent="1" nextAc="seek">
+              <p:cTn id="2" dur="indefinite" nodeType="mainSeq">
+                <p:childTnLst>
+                  <p:par>
+                    <p:cTn id="3" fill="hold">
+                      <p:stCondLst>
+                        <p:cond delay="indefinite"/>
+                      </p:stCondLst>
+                      <p:childTnLst>
+                        <p:par>
+                          <p:cTn id="4" fill="hold">
+                            <p:stCondLst>
+                              <p:cond delay="0"/>
+                            </p:stCondLst>
+                            <p:childTnLst>
+                              <p:par>
+                                <p:cTn id="5" presetID="22" presetClass="entr" presetSubtype="4" fill="hold" grpId="0" nodeType="clickEffect">
+                                  <p:stCondLst>
+                                    <p:cond delay="0"/>
+                                  </p:stCondLst>
+                                  <p:childTnLst>
+                                    <p:set>
+                                      <p:cBhvr>
+                                        <p:cTn id="6" dur="1" fill="hold">
+                                          <p:stCondLst>
+                                            <p:cond delay="0"/>
+                                          </p:stCondLst>
+                                        </p:cTn>
+                                        <p:tgtEl>
+                                          <p:spTgt spid="8">
+                                            <p:txEl>
+                                              <p:pRg st="1" end="1"/>
+                                            </p:txEl>
+                                          </p:spTgt>
+                                        </p:tgtEl>
+                                        <p:attrNameLst>
+                                          <p:attrName>style.visibility</p:attrName>
+                                        </p:attrNameLst>
+                                      </p:cBhvr>
+                                      <p:to>
+                                        <p:strVal val="visible"/>
+                                      </p:to>
+                                    </p:set>
+                                    <p:animEffect transition="in" filter="wipe(down)">
+                                      <p:cBhvr>
+                                        <p:cTn id="7" dur="500"/>
+                                        <p:tgtEl>
+                                          <p:spTgt spid="8">
+                                            <p:txEl>
+                                              <p:pRg st="1" end="1"/>
+                                            </p:txEl>
+                                          </p:spTgt>
+                                        </p:tgtEl>
+                                      </p:cBhvr>
+                                    </p:animEffect>
+                                  </p:childTnLst>
+                                </p:cTn>
+                              </p:par>
+                              <p:par>
+                                <p:cTn id="8" presetID="22" presetClass="entr" presetSubtype="4" fill="hold" grpId="0" nodeType="withEffect">
+                                  <p:stCondLst>
+                                    <p:cond delay="0"/>
+                                  </p:stCondLst>
+                                  <p:childTnLst>
+                                    <p:set>
+                                      <p:cBhvr>
+                                        <p:cTn id="9" dur="1" fill="hold">
+                                          <p:stCondLst>
+                                            <p:cond delay="0"/>
+                                          </p:stCondLst>
+                                        </p:cTn>
+                                        <p:tgtEl>
+                                          <p:spTgt spid="8">
+                                            <p:txEl>
+                                              <p:pRg st="2" end="2"/>
+                                            </p:txEl>
+                                          </p:spTgt>
+                                        </p:tgtEl>
+                                        <p:attrNameLst>
+                                          <p:attrName>style.visibility</p:attrName>
+                                        </p:attrNameLst>
+                                      </p:cBhvr>
+                                      <p:to>
+                                        <p:strVal val="visible"/>
+                                      </p:to>
+                                    </p:set>
+                                    <p:animEffect transition="in" filter="wipe(down)">
+                                      <p:cBhvr>
+                                        <p:cTn id="10" dur="500"/>
+                                        <p:tgtEl>
+                                          <p:spTgt spid="8">
+                                            <p:txEl>
+                                              <p:pRg st="2" end="2"/>
+                                            </p:txEl>
+                                          </p:spTgt>
+                                        </p:tgtEl>
+                                      </p:cBhvr>
+                                    </p:animEffect>
+                                  </p:childTnLst>
+                                </p:cTn>
+                              </p:par>
+                            </p:childTnLst>
+                          </p:cTn>
+                        </p:par>
+                      </p:childTnLst>
+                    </p:cTn>
+                  </p:par>
+                  <p:par>
+                    <p:cTn id="11" fill="hold">
+                      <p:stCondLst>
+                        <p:cond delay="indefinite"/>
+                      </p:stCondLst>
+                      <p:childTnLst>
+                        <p:par>
+                          <p:cTn id="12" fill="hold">
+                            <p:stCondLst>
+                              <p:cond delay="0"/>
+                            </p:stCondLst>
+                            <p:childTnLst>
+                              <p:par>
+                                <p:cTn id="13" presetID="22" presetClass="entr" presetSubtype="4" fill="hold" grpId="0" nodeType="clickEffect">
+                                  <p:stCondLst>
+                                    <p:cond delay="0"/>
+                                  </p:stCondLst>
+                                  <p:childTnLst>
+                                    <p:set>
+                                      <p:cBhvr>
+                                        <p:cTn id="14" dur="1" fill="hold">
+                                          <p:stCondLst>
+                                            <p:cond delay="0"/>
+                                          </p:stCondLst>
+                                        </p:cTn>
+                                        <p:tgtEl>
+                                          <p:spTgt spid="8">
+                                            <p:txEl>
+                                              <p:pRg st="4" end="4"/>
+                                            </p:txEl>
+                                          </p:spTgt>
+                                        </p:tgtEl>
+                                        <p:attrNameLst>
+                                          <p:attrName>style.visibility</p:attrName>
+                                        </p:attrNameLst>
+                                      </p:cBhvr>
+                                      <p:to>
+                                        <p:strVal val="visible"/>
+                                      </p:to>
+                                    </p:set>
+                                    <p:animEffect transition="in" filter="wipe(down)">
+                                      <p:cBhvr>
+                                        <p:cTn id="15" dur="500"/>
+                                        <p:tgtEl>
+                                          <p:spTgt spid="8">
+                                            <p:txEl>
+                                              <p:pRg st="4" end="4"/>
+                                            </p:txEl>
+                                          </p:spTgt>
+                                        </p:tgtEl>
+                                      </p:cBhvr>
+                                    </p:animEffect>
+                                  </p:childTnLst>
+                                </p:cTn>
+                              </p:par>
+                              <p:par>
+                                <p:cTn id="16" presetID="22" presetClass="entr" presetSubtype="4" fill="hold" grpId="0" nodeType="withEffect">
+                                  <p:stCondLst>
+                                    <p:cond delay="0"/>
+                                  </p:stCondLst>
+                                  <p:childTnLst>
+                                    <p:set>
+                                      <p:cBhvr>
+                                        <p:cTn id="17" dur="1" fill="hold">
+                                          <p:stCondLst>
+                                            <p:cond delay="0"/>
+                                          </p:stCondLst>
+                                        </p:cTn>
+                                        <p:tgtEl>
+                                          <p:spTgt spid="8">
+                                            <p:txEl>
+                                              <p:pRg st="5" end="5"/>
+                                            </p:txEl>
+                                          </p:spTgt>
+                                        </p:tgtEl>
+                                        <p:attrNameLst>
+                                          <p:attrName>style.visibility</p:attrName>
+                                        </p:attrNameLst>
+                                      </p:cBhvr>
+                                      <p:to>
+                                        <p:strVal val="visible"/>
+                                      </p:to>
+                                    </p:set>
+                                    <p:animEffect transition="in" filter="wipe(down)">
+                                      <p:cBhvr>
+                                        <p:cTn id="18" dur="500"/>
+                                        <p:tgtEl>
+                                          <p:spTgt spid="8">
+                                            <p:txEl>
+                                              <p:pRg st="5" end="5"/>
+                                            </p:txEl>
+                                          </p:spTgt>
+                                        </p:tgtEl>
+                                      </p:cBhvr>
+                                    </p:animEffect>
+                                  </p:childTnLst>
+                                </p:cTn>
+                              </p:par>
+                            </p:childTnLst>
+                          </p:cTn>
+                        </p:par>
+                      </p:childTnLst>
+                    </p:cTn>
+                  </p:par>
+                  <p:par>
+                    <p:cTn id="19" fill="hold">
+                      <p:stCondLst>
+                        <p:cond delay="indefinite"/>
+                      </p:stCondLst>
+                      <p:childTnLst>
+                        <p:par>
+                          <p:cTn id="20" fill="hold">
+                            <p:stCondLst>
+                              <p:cond delay="0"/>
+                            </p:stCondLst>
+                            <p:childTnLst>
+                              <p:par>
+                                <p:cTn id="21" presetID="2" presetClass="entr" presetSubtype="4" fill="hold" grpId="0" nodeType="clickEffect">
+                                  <p:stCondLst>
+                                    <p:cond delay="0"/>
+                                  </p:stCondLst>
+                                  <p:childTnLst>
+                                    <p:set>
+                                      <p:cBhvr>
+                                        <p:cTn id="22" dur="1" fill="hold">
+                                          <p:stCondLst>
+                                            <p:cond delay="0"/>
+                                          </p:stCondLst>
+                                        </p:cTn>
+                                        <p:tgtEl>
+                                          <p:spTgt spid="7">
+                                            <p:txEl>
+                                              <p:pRg st="1" end="1"/>
+                                            </p:txEl>
+                                          </p:spTgt>
+                                        </p:tgtEl>
+                                        <p:attrNameLst>
+                                          <p:attrName>style.visibility</p:attrName>
+                                        </p:attrNameLst>
+                                      </p:cBhvr>
+                                      <p:to>
+                                        <p:strVal val="visible"/>
+                                      </p:to>
+                                    </p:set>
+                                    <p:anim calcmode="lin" valueType="num">
+                                      <p:cBhvr additive="base">
+                                        <p:cTn id="23" dur="500" fill="hold"/>
+                                        <p:tgtEl>
+                                          <p:spTgt spid="7">
+                                            <p:txEl>
+                                              <p:pRg st="1" end="1"/>
+                                            </p:txEl>
+                                          </p:spTgt>
+                                        </p:tgtEl>
+                                        <p:attrNameLst>
+                                          <p:attrName>ppt_x</p:attrName>
+                                        </p:attrNameLst>
+                                      </p:cBhvr>
+                                      <p:tavLst>
+                                        <p:tav tm="0">
+                                          <p:val>
+                                            <p:strVal val="#ppt_x"/>
+                                          </p:val>
+                                        </p:tav>
+                                        <p:tav tm="100000">
+                                          <p:val>
+                                            <p:strVal val="#ppt_x"/>
+                                          </p:val>
+                                        </p:tav>
+                                      </p:tavLst>
+                                    </p:anim>
+                                    <p:anim calcmode="lin" valueType="num">
+                                      <p:cBhvr additive="base">
+                                        <p:cTn id="24" dur="500" fill="hold"/>
+                                        <p:tgtEl>
+                                          <p:spTgt spid="7">
+                                            <p:txEl>
+                                              <p:pRg st="1" end="1"/>
+                                            </p:txEl>
+                                          </p:spTgt>
+                                        </p:tgtEl>
+                                        <p:attrNameLst>
+                                          <p:attrName>ppt_y</p:attrName>
+                                        </p:attrNameLst>
+                                      </p:cBhvr>
+                                      <p:tavLst>
+                                        <p:tav tm="0">
+                                          <p:val>
+                                            <p:strVal val="1+#ppt_h/2"/>
+                                          </p:val>
+                                        </p:tav>
+                                        <p:tav tm="100000">
+                                          <p:val>
+                                            <p:strVal val="#ppt_y"/>
+                                          </p:val>
+                                        </p:tav>
+                                      </p:tavLst>
+                                    </p:anim>
+                                  </p:childTnLst>
+                                </p:cTn>
+                              </p:par>
+                              <p:par>
+                                <p:cTn id="25" presetID="2" presetClass="entr" presetSubtype="4" fill="hold" grpId="0" nodeType="withEffect">
+                                  <p:stCondLst>
+                                    <p:cond delay="0"/>
+                                  </p:stCondLst>
+                                  <p:childTnLst>
+                                    <p:set>
+                                      <p:cBhvr>
+                                        <p:cTn id="26" dur="1" fill="hold">
+                                          <p:stCondLst>
+                                            <p:cond delay="0"/>
+                                          </p:stCondLst>
+                                        </p:cTn>
+                                        <p:tgtEl>
+                                          <p:spTgt spid="7">
+                                            <p:txEl>
+                                              <p:pRg st="2" end="2"/>
+                                            </p:txEl>
+                                          </p:spTgt>
+                                        </p:tgtEl>
+                                        <p:attrNameLst>
+                                          <p:attrName>style.visibility</p:attrName>
+                                        </p:attrNameLst>
+                                      </p:cBhvr>
+                                      <p:to>
+                                        <p:strVal val="visible"/>
+                                      </p:to>
+                                    </p:set>
+                                    <p:anim calcmode="lin" valueType="num">
+                                      <p:cBhvr additive="base">
+                                        <p:cTn id="27" dur="500" fill="hold"/>
+                                        <p:tgtEl>
+                                          <p:spTgt spid="7">
+                                            <p:txEl>
+                                              <p:pRg st="2" end="2"/>
+                                            </p:txEl>
+                                          </p:spTgt>
+                                        </p:tgtEl>
+                                        <p:attrNameLst>
+                                          <p:attrName>ppt_x</p:attrName>
+                                        </p:attrNameLst>
+                                      </p:cBhvr>
+                                      <p:tavLst>
+                                        <p:tav tm="0">
+                                          <p:val>
+                                            <p:strVal val="#ppt_x"/>
+                                          </p:val>
+                                        </p:tav>
+                                        <p:tav tm="100000">
+                                          <p:val>
+                                            <p:strVal val="#ppt_x"/>
+                                          </p:val>
+                                        </p:tav>
+                                      </p:tavLst>
+                                    </p:anim>
+                                    <p:anim calcmode="lin" valueType="num">
+                                      <p:cBhvr additive="base">
+                                        <p:cTn id="28" dur="500" fill="hold"/>
+                                        <p:tgtEl>
+                                          <p:spTgt spid="7">
+                                            <p:txEl>
+                                              <p:pRg st="2" end="2"/>
+                                            </p:txEl>
+                                          </p:spTgt>
+                                        </p:tgtEl>
+                                        <p:attrNameLst>
+                                          <p:attrName>ppt_y</p:attrName>
+                                        </p:attrNameLst>
+                                      </p:cBhvr>
+                                      <p:tavLst>
+                                        <p:tav tm="0">
+                                          <p:val>
+                                            <p:strVal val="1+#ppt_h/2"/>
+                                          </p:val>
+                                        </p:tav>
+                                        <p:tav tm="100000">
+                                          <p:val>
+                                            <p:strVal val="#ppt_y"/>
+                                          </p:val>
+                                        </p:tav>
+                                      </p:tavLst>
+                                    </p:anim>
+                                  </p:childTnLst>
+                                </p:cTn>
+                              </p:par>
+                            </p:childTnLst>
+                          </p:cTn>
+                        </p:par>
+                      </p:childTnLst>
+                    </p:cTn>
+                  </p:par>
+                  <p:par>
+                    <p:cTn id="29" fill="hold">
+                      <p:stCondLst>
+                        <p:cond delay="indefinite"/>
+                      </p:stCondLst>
+                      <p:childTnLst>
+                        <p:par>
+                          <p:cTn id="30" fill="hold">
+                            <p:stCondLst>
+                              <p:cond delay="0"/>
+                            </p:stCondLst>
+                            <p:childTnLst>
+                              <p:par>
+                                <p:cTn id="31" presetID="2" presetClass="entr" presetSubtype="4" fill="hold" grpId="0" nodeType="clickEffect">
+                                  <p:stCondLst>
+                                    <p:cond delay="0"/>
+                                  </p:stCondLst>
+                                  <p:childTnLst>
+                                    <p:set>
+                                      <p:cBhvr>
+                                        <p:cTn id="32" dur="1" fill="hold">
+                                          <p:stCondLst>
+                                            <p:cond delay="0"/>
+                                          </p:stCondLst>
+                                        </p:cTn>
+                                        <p:tgtEl>
+                                          <p:spTgt spid="7">
+                                            <p:txEl>
+                                              <p:pRg st="4" end="4"/>
+                                            </p:txEl>
+                                          </p:spTgt>
+                                        </p:tgtEl>
+                                        <p:attrNameLst>
+                                          <p:attrName>style.visibility</p:attrName>
+                                        </p:attrNameLst>
+                                      </p:cBhvr>
+                                      <p:to>
+                                        <p:strVal val="visible"/>
+                                      </p:to>
+                                    </p:set>
+                                    <p:anim calcmode="lin" valueType="num">
+                                      <p:cBhvr additive="base">
+                                        <p:cTn id="33" dur="500" fill="hold"/>
+                                        <p:tgtEl>
+                                          <p:spTgt spid="7">
+                                            <p:txEl>
+                                              <p:pRg st="4" end="4"/>
+                                            </p:txEl>
+                                          </p:spTgt>
+                                        </p:tgtEl>
+                                        <p:attrNameLst>
+                                          <p:attrName>ppt_x</p:attrName>
+                                        </p:attrNameLst>
+                                      </p:cBhvr>
+                                      <p:tavLst>
+                                        <p:tav tm="0">
+                                          <p:val>
+                                            <p:strVal val="#ppt_x"/>
+                                          </p:val>
+                                        </p:tav>
+                                        <p:tav tm="100000">
+                                          <p:val>
+                                            <p:strVal val="#ppt_x"/>
+                                          </p:val>
+                                        </p:tav>
+                                      </p:tavLst>
+                                    </p:anim>
+                                    <p:anim calcmode="lin" valueType="num">
+                                      <p:cBhvr additive="base">
+                                        <p:cTn id="34" dur="500" fill="hold"/>
+                                        <p:tgtEl>
+                                          <p:spTgt spid="7">
+                                            <p:txEl>
+                                              <p:pRg st="4" end="4"/>
+                                            </p:txEl>
+                                          </p:spTgt>
+                                        </p:tgtEl>
+                                        <p:attrNameLst>
+                                          <p:attrName>ppt_y</p:attrName>
+                                        </p:attrNameLst>
+                                      </p:cBhvr>
+                                      <p:tavLst>
+                                        <p:tav tm="0">
+                                          <p:val>
+                                            <p:strVal val="1+#ppt_h/2"/>
+                                          </p:val>
+                                        </p:tav>
+                                        <p:tav tm="100000">
+                                          <p:val>
+                                            <p:strVal val="#ppt_y"/>
+                                          </p:val>
+                                        </p:tav>
+                                      </p:tavLst>
+                                    </p:anim>
+                                  </p:childTnLst>
+                                </p:cTn>
+                              </p:par>
+                              <p:par>
+                                <p:cTn id="35" presetID="2" presetClass="entr" presetSubtype="4" fill="hold" grpId="0" nodeType="withEffect">
+                                  <p:stCondLst>
+                                    <p:cond delay="0"/>
+                                  </p:stCondLst>
+                                  <p:childTnLst>
+                                    <p:set>
+                                      <p:cBhvr>
+                                        <p:cTn id="36" dur="1" fill="hold">
+                                          <p:stCondLst>
+                                            <p:cond delay="0"/>
+                                          </p:stCondLst>
+                                        </p:cTn>
+                                        <p:tgtEl>
+                                          <p:spTgt spid="7">
+                                            <p:txEl>
+                                              <p:pRg st="5" end="5"/>
+                                            </p:txEl>
+                                          </p:spTgt>
+                                        </p:tgtEl>
+                                        <p:attrNameLst>
+                                          <p:attrName>style.visibility</p:attrName>
+                                        </p:attrNameLst>
+                                      </p:cBhvr>
+                                      <p:to>
+                                        <p:strVal val="visible"/>
+                                      </p:to>
+                                    </p:set>
+                                    <p:anim calcmode="lin" valueType="num">
+                                      <p:cBhvr additive="base">
+                                        <p:cTn id="37" dur="500" fill="hold"/>
+                                        <p:tgtEl>
+                                          <p:spTgt spid="7">
+                                            <p:txEl>
+                                              <p:pRg st="5" end="5"/>
+                                            </p:txEl>
+                                          </p:spTgt>
+                                        </p:tgtEl>
+                                        <p:attrNameLst>
+                                          <p:attrName>ppt_x</p:attrName>
+                                        </p:attrNameLst>
+                                      </p:cBhvr>
+                                      <p:tavLst>
+                                        <p:tav tm="0">
+                                          <p:val>
+                                            <p:strVal val="#ppt_x"/>
+                                          </p:val>
+                                        </p:tav>
+                                        <p:tav tm="100000">
+                                          <p:val>
+                                            <p:strVal val="#ppt_x"/>
+                                          </p:val>
+                                        </p:tav>
+                                      </p:tavLst>
+                                    </p:anim>
+                                    <p:anim calcmode="lin" valueType="num">
+                                      <p:cBhvr additive="base">
+                                        <p:cTn id="38" dur="500" fill="hold"/>
+                                        <p:tgtEl>
+                                          <p:spTgt spid="7">
+                                            <p:txEl>
+                                              <p:pRg st="5" end="5"/>
+                                            </p:txEl>
+                                          </p:spTgt>
+                                        </p:tgtEl>
+                                        <p:attrNameLst>
+                                          <p:attrName>ppt_y</p:attrName>
+                                        </p:attrNameLst>
+                                      </p:cBhvr>
+                                      <p:tavLst>
+                                        <p:tav tm="0">
+                                          <p:val>
+                                            <p:strVal val="1+#ppt_h/2"/>
+                                          </p:val>
+                                        </p:tav>
+                                        <p:tav tm="100000">
+                                          <p:val>
+                                            <p:strVal val="#ppt_y"/>
+                                          </p:val>
+                                        </p:tav>
+                                      </p:tavLst>
+                                    </p:anim>
+                                  </p:childTnLst>
+                                </p:cTn>
+                              </p:par>
+                              <p:par>
+                                <p:cTn id="39" presetID="2" presetClass="entr" presetSubtype="4" fill="hold" grpId="0" nodeType="withEffect">
+                                  <p:stCondLst>
+                                    <p:cond delay="0"/>
+                                  </p:stCondLst>
+                                  <p:childTnLst>
+                                    <p:set>
+                                      <p:cBhvr>
+                                        <p:cTn id="40" dur="1" fill="hold">
+                                          <p:stCondLst>
+                                            <p:cond delay="0"/>
+                                          </p:stCondLst>
+                                        </p:cTn>
+                                        <p:tgtEl>
+                                          <p:spTgt spid="9">
+                                            <p:txEl>
+                                              <p:pRg st="1" end="1"/>
+                                            </p:txEl>
+                                          </p:spTgt>
+                                        </p:tgtEl>
+                                        <p:attrNameLst>
+                                          <p:attrName>style.visibility</p:attrName>
+                                        </p:attrNameLst>
+                                      </p:cBhvr>
+                                      <p:to>
+                                        <p:strVal val="visible"/>
+                                      </p:to>
+                                    </p:set>
+                                    <p:anim calcmode="lin" valueType="num">
+                                      <p:cBhvr additive="base">
+                                        <p:cTn id="41" dur="500" fill="hold"/>
+                                        <p:tgtEl>
+                                          <p:spTgt spid="9">
+                                            <p:txEl>
+                                              <p:pRg st="1" end="1"/>
+                                            </p:txEl>
+                                          </p:spTgt>
+                                        </p:tgtEl>
+                                        <p:attrNameLst>
+                                          <p:attrName>ppt_x</p:attrName>
+                                        </p:attrNameLst>
+                                      </p:cBhvr>
+                                      <p:tavLst>
+                                        <p:tav tm="0">
+                                          <p:val>
+                                            <p:strVal val="#ppt_x"/>
+                                          </p:val>
+                                        </p:tav>
+                                        <p:tav tm="100000">
+                                          <p:val>
+                                            <p:strVal val="#ppt_x"/>
+                                          </p:val>
+                                        </p:tav>
+                                      </p:tavLst>
+                                    </p:anim>
+                                    <p:anim calcmode="lin" valueType="num">
+                                      <p:cBhvr additive="base">
+                                        <p:cTn id="42" dur="500" fill="hold"/>
+                                        <p:tgtEl>
+                                          <p:spTgt spid="9">
+                                            <p:txEl>
+                                              <p:pRg st="1" end="1"/>
+                                            </p:txEl>
+                                          </p:spTgt>
+                                        </p:tgtEl>
+                                        <p:attrNameLst>
+                                          <p:attrName>ppt_y</p:attrName>
+                                        </p:attrNameLst>
+                                      </p:cBhvr>
+                                      <p:tavLst>
+                                        <p:tav tm="0">
+                                          <p:val>
+                                            <p:strVal val="1+#ppt_h/2"/>
+                                          </p:val>
+                                        </p:tav>
+                                        <p:tav tm="100000">
+                                          <p:val>
+                                            <p:strVal val="#ppt_y"/>
+                                          </p:val>
+                                        </p:tav>
+                                      </p:tavLst>
+                                    </p:anim>
+                                  </p:childTnLst>
+                                </p:cTn>
+                              </p:par>
+                              <p:par>
+                                <p:cTn id="43" presetID="2" presetClass="entr" presetSubtype="4" fill="hold" grpId="0" nodeType="withEffect">
+                                  <p:stCondLst>
+                                    <p:cond delay="0"/>
+                                  </p:stCondLst>
+                                  <p:childTnLst>
+                                    <p:set>
+                                      <p:cBhvr>
+                                        <p:cTn id="44" dur="1" fill="hold">
+                                          <p:stCondLst>
+                                            <p:cond delay="0"/>
+                                          </p:stCondLst>
+                                        </p:cTn>
+                                        <p:tgtEl>
+                                          <p:spTgt spid="9">
+                                            <p:txEl>
+                                              <p:pRg st="2" end="2"/>
+                                            </p:txEl>
+                                          </p:spTgt>
+                                        </p:tgtEl>
+                                        <p:attrNameLst>
+                                          <p:attrName>style.visibility</p:attrName>
+                                        </p:attrNameLst>
+                                      </p:cBhvr>
+                                      <p:to>
+                                        <p:strVal val="visible"/>
+                                      </p:to>
+                                    </p:set>
+                                    <p:anim calcmode="lin" valueType="num">
+                                      <p:cBhvr additive="base">
+                                        <p:cTn id="45" dur="500" fill="hold"/>
+                                        <p:tgtEl>
+                                          <p:spTgt spid="9">
+                                            <p:txEl>
+                                              <p:pRg st="2" end="2"/>
+                                            </p:txEl>
+                                          </p:spTgt>
+                                        </p:tgtEl>
+                                        <p:attrNameLst>
+                                          <p:attrName>ppt_x</p:attrName>
+                                        </p:attrNameLst>
+                                      </p:cBhvr>
+                                      <p:tavLst>
+                                        <p:tav tm="0">
+                                          <p:val>
+                                            <p:strVal val="#ppt_x"/>
+                                          </p:val>
+                                        </p:tav>
+                                        <p:tav tm="100000">
+                                          <p:val>
+                                            <p:strVal val="#ppt_x"/>
+                                          </p:val>
+                                        </p:tav>
+                                      </p:tavLst>
+                                    </p:anim>
+                                    <p:anim calcmode="lin" valueType="num">
+                                      <p:cBhvr additive="base">
+                                        <p:cTn id="46" dur="500" fill="hold"/>
+                                        <p:tgtEl>
+                                          <p:spTgt spid="9">
+                                            <p:txEl>
+                                              <p:pRg st="2" end="2"/>
+                                            </p:txEl>
+                                          </p:spTgt>
+                                        </p:tgtEl>
+                                        <p:attrNameLst>
+                                          <p:attrName>ppt_y</p:attrName>
+                                        </p:attrNameLst>
+                                      </p:cBhvr>
+                                      <p:tavLst>
+                                        <p:tav tm="0">
+                                          <p:val>
+                                            <p:strVal val="1+#ppt_h/2"/>
+                                          </p:val>
+                                        </p:tav>
+                                        <p:tav tm="100000">
+                                          <p:val>
+                                            <p:strVal val="#ppt_y"/>
+                                          </p:val>
+                                        </p:tav>
+                                      </p:tavLst>
+                                    </p:anim>
+                                  </p:childTnLst>
+                                </p:cTn>
+                              </p:par>
+                            </p:childTnLst>
+                          </p:cTn>
+                        </p:par>
+                      </p:childTnLst>
+                    </p:cTn>
+                  </p:par>
+                  <p:par>
+                    <p:cTn id="47" fill="hold">
+                      <p:stCondLst>
+                        <p:cond delay="indefinite"/>
+                      </p:stCondLst>
+                      <p:childTnLst>
+                        <p:par>
+                          <p:cTn id="48" fill="hold">
+                            <p:stCondLst>
+                              <p:cond delay="0"/>
+                            </p:stCondLst>
+                            <p:childTnLst>
+                              <p:par>
+                                <p:cTn id="49" presetID="2" presetClass="entr" presetSubtype="4" fill="hold" grpId="0" nodeType="clickEffect">
+                                  <p:stCondLst>
+                                    <p:cond delay="0"/>
+                                  </p:stCondLst>
+                                  <p:childTnLst>
+                                    <p:set>
+                                      <p:cBhvr>
+                                        <p:cTn id="50" dur="1" fill="hold">
+                                          <p:stCondLst>
+                                            <p:cond delay="0"/>
+                                          </p:stCondLst>
+                                        </p:cTn>
+                                        <p:tgtEl>
+                                          <p:spTgt spid="9">
+                                            <p:txEl>
+                                              <p:pRg st="4" end="4"/>
+                                            </p:txEl>
+                                          </p:spTgt>
+                                        </p:tgtEl>
+                                        <p:attrNameLst>
+                                          <p:attrName>style.visibility</p:attrName>
+                                        </p:attrNameLst>
+                                      </p:cBhvr>
+                                      <p:to>
+                                        <p:strVal val="visible"/>
+                                      </p:to>
+                                    </p:set>
+                                    <p:anim calcmode="lin" valueType="num">
+                                      <p:cBhvr additive="base">
+                                        <p:cTn id="51" dur="500" fill="hold"/>
+                                        <p:tgtEl>
+                                          <p:spTgt spid="9">
+                                            <p:txEl>
+                                              <p:pRg st="4" end="4"/>
+                                            </p:txEl>
+                                          </p:spTgt>
+                                        </p:tgtEl>
+                                        <p:attrNameLst>
+                                          <p:attrName>ppt_x</p:attrName>
+                                        </p:attrNameLst>
+                                      </p:cBhvr>
+                                      <p:tavLst>
+                                        <p:tav tm="0">
+                                          <p:val>
+                                            <p:strVal val="#ppt_x"/>
+                                          </p:val>
+                                        </p:tav>
+                                        <p:tav tm="100000">
+                                          <p:val>
+                                            <p:strVal val="#ppt_x"/>
+                                          </p:val>
+                                        </p:tav>
+                                      </p:tavLst>
+                                    </p:anim>
+                                    <p:anim calcmode="lin" valueType="num">
+                                      <p:cBhvr additive="base">
+                                        <p:cTn id="52" dur="500" fill="hold"/>
+                                        <p:tgtEl>
+                                          <p:spTgt spid="9">
+                                            <p:txEl>
+                                              <p:pRg st="4" end="4"/>
+                                            </p:txEl>
+                                          </p:spTgt>
+                                        </p:tgtEl>
+                                        <p:attrNameLst>
+                                          <p:attrName>ppt_y</p:attrName>
+                                        </p:attrNameLst>
+                                      </p:cBhvr>
+                                      <p:tavLst>
+                                        <p:tav tm="0">
+                                          <p:val>
+                                            <p:strVal val="1+#ppt_h/2"/>
+                                          </p:val>
+                                        </p:tav>
+                                        <p:tav tm="100000">
+                                          <p:val>
+                                            <p:strVal val="#ppt_y"/>
+                                          </p:val>
+                                        </p:tav>
+                                      </p:tavLst>
+                                    </p:anim>
+                                  </p:childTnLst>
+                                </p:cTn>
+                              </p:par>
+                              <p:par>
+                                <p:cTn id="53" presetID="2" presetClass="entr" presetSubtype="4" fill="hold" grpId="0" nodeType="withEffect">
+                                  <p:stCondLst>
+                                    <p:cond delay="0"/>
+                                  </p:stCondLst>
+                                  <p:childTnLst>
+                                    <p:set>
+                                      <p:cBhvr>
+                                        <p:cTn id="54" dur="1" fill="hold">
+                                          <p:stCondLst>
+                                            <p:cond delay="0"/>
+                                          </p:stCondLst>
+                                        </p:cTn>
+                                        <p:tgtEl>
+                                          <p:spTgt spid="9">
+                                            <p:txEl>
+                                              <p:pRg st="5" end="5"/>
+                                            </p:txEl>
+                                          </p:spTgt>
+                                        </p:tgtEl>
+                                        <p:attrNameLst>
+                                          <p:attrName>style.visibility</p:attrName>
+                                        </p:attrNameLst>
+                                      </p:cBhvr>
+                                      <p:to>
+                                        <p:strVal val="visible"/>
+                                      </p:to>
+                                    </p:set>
+                                    <p:anim calcmode="lin" valueType="num">
+                                      <p:cBhvr additive="base">
+                                        <p:cTn id="55" dur="500" fill="hold"/>
+                                        <p:tgtEl>
+                                          <p:spTgt spid="9">
+                                            <p:txEl>
+                                              <p:pRg st="5" end="5"/>
+                                            </p:txEl>
+                                          </p:spTgt>
+                                        </p:tgtEl>
+                                        <p:attrNameLst>
+                                          <p:attrName>ppt_x</p:attrName>
+                                        </p:attrNameLst>
+                                      </p:cBhvr>
+                                      <p:tavLst>
+                                        <p:tav tm="0">
+                                          <p:val>
+                                            <p:strVal val="#ppt_x"/>
+                                          </p:val>
+                                        </p:tav>
+                                        <p:tav tm="100000">
+                                          <p:val>
+                                            <p:strVal val="#ppt_x"/>
+                                          </p:val>
+                                        </p:tav>
+                                      </p:tavLst>
+                                    </p:anim>
+                                    <p:anim calcmode="lin" valueType="num">
+                                      <p:cBhvr additive="base">
+                                        <p:cTn id="56" dur="500" fill="hold"/>
+                                        <p:tgtEl>
+                                          <p:spTgt spid="9">
+                                            <p:txEl>
+                                              <p:pRg st="5" end="5"/>
+                                            </p:txEl>
+                                          </p:spTgt>
+                                        </p:tgtEl>
+                                        <p:attrNameLst>
+                                          <p:attrName>ppt_y</p:attrName>
+                                        </p:attrNameLst>
+                                      </p:cBhvr>
+                                      <p:tavLst>
+                                        <p:tav tm="0">
+                                          <p:val>
+                                            <p:strVal val="1+#ppt_h/2"/>
+                                          </p:val>
+                                        </p:tav>
+                                        <p:tav tm="100000">
+                                          <p:val>
+                                            <p:strVal val="#ppt_y"/>
+                                          </p:val>
+                                        </p:tav>
+                                      </p:tavLst>
+                                    </p:anim>
+                                  </p:childTnLst>
+                                </p:cTn>
+                              </p:par>
+                            </p:childTnLst>
+                          </p:cTn>
+                        </p:par>
+                      </p:childTnLst>
+                    </p:cTn>
+                  </p:par>
+                </p:childTnLst>
+              </p:cTn>
+              <p:prevCondLst>
+                <p:cond evt="onPrev" delay="0">
+                  <p:tgtEl>
+                    <p:sldTgt/>
+                  </p:tgtEl>
+                </p:cond>
+              </p:prevCondLst>
+              <p:nextCondLst>
+                <p:cond evt="onNext" delay="0">
+                  <p:tgtEl>
+                    <p:sldTgt/>
+                  </p:tgtEl>
+                </p:cond>
+              </p:nextCondLst>
+            </p:seq>
+          </p:childTnLst>
+        </p:cTn>
       </p:par>
     </p:tnLst>
+    <p:bldLst>
+      <p:bldP spid="7" grpId="0" build="p"/>
+      <p:bldP spid="8" grpId="0" build="p"/>
+      <p:bldP spid="9" grpId="0" build="p"/>
+    </p:bldLst>
   </p:timing>
 </p:sld>
 </file>
@@ -7336,9 +8553,252 @@
   <p:timing>
     <p:tnLst>
       <p:par>
-        <p:cTn id="1" dur="indefinite" restart="never" nodeType="tmRoot"/>
+        <p:cTn id="1" dur="indefinite" restart="never" nodeType="tmRoot">
+          <p:childTnLst>
+            <p:seq concurrent="1" nextAc="seek">
+              <p:cTn id="2" dur="indefinite" nodeType="mainSeq">
+                <p:childTnLst>
+                  <p:par>
+                    <p:cTn id="3" fill="hold">
+                      <p:stCondLst>
+                        <p:cond delay="indefinite"/>
+                      </p:stCondLst>
+                      <p:childTnLst>
+                        <p:par>
+                          <p:cTn id="4" fill="hold">
+                            <p:stCondLst>
+                              <p:cond delay="0"/>
+                            </p:stCondLst>
+                            <p:childTnLst>
+                              <p:par>
+                                <p:cTn id="5" presetID="10" presetClass="entr" presetSubtype="0" fill="hold" grpId="0" nodeType="clickEffect">
+                                  <p:stCondLst>
+                                    <p:cond delay="0"/>
+                                  </p:stCondLst>
+                                  <p:childTnLst>
+                                    <p:set>
+                                      <p:cBhvr>
+                                        <p:cTn id="6" dur="1" fill="hold">
+                                          <p:stCondLst>
+                                            <p:cond delay="0"/>
+                                          </p:stCondLst>
+                                        </p:cTn>
+                                        <p:tgtEl>
+                                          <p:spTgt spid="2"/>
+                                        </p:tgtEl>
+                                        <p:attrNameLst>
+                                          <p:attrName>style.visibility</p:attrName>
+                                        </p:attrNameLst>
+                                      </p:cBhvr>
+                                      <p:to>
+                                        <p:strVal val="visible"/>
+                                      </p:to>
+                                    </p:set>
+                                    <p:animEffect transition="in" filter="fade">
+                                      <p:cBhvr>
+                                        <p:cTn id="7" dur="2000"/>
+                                        <p:tgtEl>
+                                          <p:spTgt spid="2"/>
+                                        </p:tgtEl>
+                                      </p:cBhvr>
+                                    </p:animEffect>
+                                  </p:childTnLst>
+                                </p:cTn>
+                              </p:par>
+                            </p:childTnLst>
+                          </p:cTn>
+                        </p:par>
+                      </p:childTnLst>
+                    </p:cTn>
+                  </p:par>
+                  <p:par>
+                    <p:cTn id="8" fill="hold">
+                      <p:stCondLst>
+                        <p:cond delay="indefinite"/>
+                      </p:stCondLst>
+                      <p:childTnLst>
+                        <p:par>
+                          <p:cTn id="9" fill="hold">
+                            <p:stCondLst>
+                              <p:cond delay="0"/>
+                            </p:stCondLst>
+                            <p:childTnLst>
+                              <p:par>
+                                <p:cTn id="10" presetID="2" presetClass="entr" presetSubtype="4" fill="hold" nodeType="clickEffect">
+                                  <p:stCondLst>
+                                    <p:cond delay="0"/>
+                                  </p:stCondLst>
+                                  <p:childTnLst>
+                                    <p:set>
+                                      <p:cBhvr>
+                                        <p:cTn id="11" dur="1" fill="hold">
+                                          <p:stCondLst>
+                                            <p:cond delay="0"/>
+                                          </p:stCondLst>
+                                        </p:cTn>
+                                        <p:tgtEl>
+                                          <p:spTgt spid="1026"/>
+                                        </p:tgtEl>
+                                        <p:attrNameLst>
+                                          <p:attrName>style.visibility</p:attrName>
+                                        </p:attrNameLst>
+                                      </p:cBhvr>
+                                      <p:to>
+                                        <p:strVal val="visible"/>
+                                      </p:to>
+                                    </p:set>
+                                    <p:anim calcmode="lin" valueType="num">
+                                      <p:cBhvr additive="base">
+                                        <p:cTn id="12" dur="500" fill="hold"/>
+                                        <p:tgtEl>
+                                          <p:spTgt spid="1026"/>
+                                        </p:tgtEl>
+                                        <p:attrNameLst>
+                                          <p:attrName>ppt_x</p:attrName>
+                                        </p:attrNameLst>
+                                      </p:cBhvr>
+                                      <p:tavLst>
+                                        <p:tav tm="0">
+                                          <p:val>
+                                            <p:strVal val="#ppt_x"/>
+                                          </p:val>
+                                        </p:tav>
+                                        <p:tav tm="100000">
+                                          <p:val>
+                                            <p:strVal val="#ppt_x"/>
+                                          </p:val>
+                                        </p:tav>
+                                      </p:tavLst>
+                                    </p:anim>
+                                    <p:anim calcmode="lin" valueType="num">
+                                      <p:cBhvr additive="base">
+                                        <p:cTn id="13" dur="500" fill="hold"/>
+                                        <p:tgtEl>
+                                          <p:spTgt spid="1026"/>
+                                        </p:tgtEl>
+                                        <p:attrNameLst>
+                                          <p:attrName>ppt_y</p:attrName>
+                                        </p:attrNameLst>
+                                      </p:cBhvr>
+                                      <p:tavLst>
+                                        <p:tav tm="0">
+                                          <p:val>
+                                            <p:strVal val="1+#ppt_h/2"/>
+                                          </p:val>
+                                        </p:tav>
+                                        <p:tav tm="100000">
+                                          <p:val>
+                                            <p:strVal val="#ppt_y"/>
+                                          </p:val>
+                                        </p:tav>
+                                      </p:tavLst>
+                                    </p:anim>
+                                  </p:childTnLst>
+                                </p:cTn>
+                              </p:par>
+                              <p:par>
+                                <p:cTn id="14" presetID="2" presetClass="entr" presetSubtype="4" fill="hold" nodeType="withEffect">
+                                  <p:stCondLst>
+                                    <p:cond delay="0"/>
+                                  </p:stCondLst>
+                                  <p:childTnLst>
+                                    <p:set>
+                                      <p:cBhvr>
+                                        <p:cTn id="15" dur="1" fill="hold">
+                                          <p:stCondLst>
+                                            <p:cond delay="0"/>
+                                          </p:stCondLst>
+                                        </p:cTn>
+                                        <p:tgtEl>
+                                          <p:spTgt spid="9"/>
+                                        </p:tgtEl>
+                                        <p:attrNameLst>
+                                          <p:attrName>style.visibility</p:attrName>
+                                        </p:attrNameLst>
+                                      </p:cBhvr>
+                                      <p:to>
+                                        <p:strVal val="visible"/>
+                                      </p:to>
+                                    </p:set>
+                                    <p:anim calcmode="lin" valueType="num">
+                                      <p:cBhvr additive="base">
+                                        <p:cTn id="16" dur="500" fill="hold"/>
+                                        <p:tgtEl>
+                                          <p:spTgt spid="9"/>
+                                        </p:tgtEl>
+                                        <p:attrNameLst>
+                                          <p:attrName>ppt_x</p:attrName>
+                                        </p:attrNameLst>
+                                      </p:cBhvr>
+                                      <p:tavLst>
+                                        <p:tav tm="0">
+                                          <p:val>
+                                            <p:strVal val="#ppt_x"/>
+                                          </p:val>
+                                        </p:tav>
+                                        <p:tav tm="100000">
+                                          <p:val>
+                                            <p:strVal val="#ppt_x"/>
+                                          </p:val>
+                                        </p:tav>
+                                      </p:tavLst>
+                                    </p:anim>
+                                    <p:anim calcmode="lin" valueType="num">
+                                      <p:cBhvr additive="base">
+                                        <p:cTn id="17" dur="500" fill="hold"/>
+                                        <p:tgtEl>
+                                          <p:spTgt spid="9"/>
+                                        </p:tgtEl>
+                                        <p:attrNameLst>
+                                          <p:attrName>ppt_y</p:attrName>
+                                        </p:attrNameLst>
+                                      </p:cBhvr>
+                                      <p:tavLst>
+                                        <p:tav tm="0">
+                                          <p:val>
+                                            <p:strVal val="1+#ppt_h/2"/>
+                                          </p:val>
+                                        </p:tav>
+                                        <p:tav tm="100000">
+                                          <p:val>
+                                            <p:strVal val="#ppt_y"/>
+                                          </p:val>
+                                        </p:tav>
+                                      </p:tavLst>
+                                    </p:anim>
+                                  </p:childTnLst>
+                                </p:cTn>
+                              </p:par>
+                            </p:childTnLst>
+                          </p:cTn>
+                        </p:par>
+                      </p:childTnLst>
+                    </p:cTn>
+                  </p:par>
+                </p:childTnLst>
+              </p:cTn>
+              <p:prevCondLst>
+                <p:cond evt="onPrev" delay="0">
+                  <p:tgtEl>
+                    <p:sldTgt/>
+                  </p:tgtEl>
+                </p:cond>
+              </p:prevCondLst>
+              <p:nextCondLst>
+                <p:cond evt="onNext" delay="0">
+                  <p:tgtEl>
+                    <p:sldTgt/>
+                  </p:tgtEl>
+                </p:cond>
+              </p:nextCondLst>
+            </p:seq>
+          </p:childTnLst>
+        </p:cTn>
       </p:par>
     </p:tnLst>
+    <p:bldLst>
+      <p:bldP spid="2" grpId="0"/>
+    </p:bldLst>
   </p:timing>
 </p:sld>
 </file>
@@ -7423,7 +8883,7 @@
         </p:blipFill>
         <p:spPr>
           <a:xfrm>
-            <a:off x="3692308" y="1392194"/>
+            <a:off x="3705371" y="739051"/>
             <a:ext cx="4477010" cy="5223179"/>
           </a:xfrm>
           <a:prstGeom prst="rect">
@@ -7466,7 +8926,83 @@
   <p:timing>
     <p:tnLst>
       <p:par>
-        <p:cTn id="1" dur="indefinite" restart="never" nodeType="tmRoot"/>
+        <p:cTn id="1" dur="indefinite" restart="never" nodeType="tmRoot">
+          <p:childTnLst>
+            <p:seq concurrent="1" nextAc="seek">
+              <p:cTn id="2" dur="indefinite" nodeType="mainSeq">
+                <p:childTnLst>
+                  <p:par>
+                    <p:cTn id="3" fill="hold">
+                      <p:stCondLst>
+                        <p:cond delay="indefinite"/>
+                      </p:stCondLst>
+                      <p:childTnLst>
+                        <p:par>
+                          <p:cTn id="4" fill="hold">
+                            <p:stCondLst>
+                              <p:cond delay="0"/>
+                            </p:stCondLst>
+                            <p:childTnLst>
+                              <p:par>
+                                <p:cTn id="5" presetID="22" presetClass="entr" presetSubtype="4" fill="hold" nodeType="clickEffect">
+                                  <p:stCondLst>
+                                    <p:cond delay="0"/>
+                                  </p:stCondLst>
+                                  <p:childTnLst>
+                                    <p:set>
+                                      <p:cBhvr>
+                                        <p:cTn id="6" dur="1" fill="hold">
+                                          <p:stCondLst>
+                                            <p:cond delay="0"/>
+                                          </p:stCondLst>
+                                        </p:cTn>
+                                        <p:tgtEl>
+                                          <p:spTgt spid="3"/>
+                                        </p:tgtEl>
+                                        <p:attrNameLst>
+                                          <p:attrName>style.visibility</p:attrName>
+                                        </p:attrNameLst>
+                                      </p:cBhvr>
+                                      <p:to>
+                                        <p:strVal val="visible"/>
+                                      </p:to>
+                                    </p:set>
+                                    <p:animEffect transition="in" filter="wipe(down)">
+                                      <p:cBhvr>
+                                        <p:cTn id="7" dur="500"/>
+                                        <p:tgtEl>
+                                          <p:spTgt spid="3"/>
+                                        </p:tgtEl>
+                                      </p:cBhvr>
+                                    </p:animEffect>
+                                  </p:childTnLst>
+                                </p:cTn>
+                              </p:par>
+                            </p:childTnLst>
+                          </p:cTn>
+                        </p:par>
+                      </p:childTnLst>
+                    </p:cTn>
+                  </p:par>
+                </p:childTnLst>
+              </p:cTn>
+              <p:prevCondLst>
+                <p:cond evt="onPrev" delay="0">
+                  <p:tgtEl>
+                    <p:sldTgt/>
+                  </p:tgtEl>
+                </p:cond>
+              </p:prevCondLst>
+              <p:nextCondLst>
+                <p:cond evt="onNext" delay="0">
+                  <p:tgtEl>
+                    <p:sldTgt/>
+                  </p:tgtEl>
+                </p:cond>
+              </p:nextCondLst>
+            </p:seq>
+          </p:childTnLst>
+        </p:cTn>
       </p:par>
     </p:tnLst>
   </p:timing>
